--- a/Powerpoints/Figure 7 H-Bridge Explained.pptx
+++ b/Powerpoints/Figure 7 H-Bridge Explained.pptx
@@ -270,7 +270,7 @@
           <a:p>
             <a:fld id="{076BF45A-7984-40DA-8289-A23BE5E768B3}" type="datetimeFigureOut">
               <a:rPr lang="en-US" smtClean="0"/>
-              <a:t>11/7/2022</a:t>
+              <a:t>11/15/2022</a:t>
             </a:fld>
             <a:endParaRPr lang="en-US"/>
           </a:p>
@@ -468,7 +468,7 @@
           <a:p>
             <a:fld id="{076BF45A-7984-40DA-8289-A23BE5E768B3}" type="datetimeFigureOut">
               <a:rPr lang="en-US" smtClean="0"/>
-              <a:t>11/7/2022</a:t>
+              <a:t>11/15/2022</a:t>
             </a:fld>
             <a:endParaRPr lang="en-US"/>
           </a:p>
@@ -676,7 +676,7 @@
           <a:p>
             <a:fld id="{076BF45A-7984-40DA-8289-A23BE5E768B3}" type="datetimeFigureOut">
               <a:rPr lang="en-US" smtClean="0"/>
-              <a:t>11/7/2022</a:t>
+              <a:t>11/15/2022</a:t>
             </a:fld>
             <a:endParaRPr lang="en-US"/>
           </a:p>
@@ -874,7 +874,7 @@
           <a:p>
             <a:fld id="{076BF45A-7984-40DA-8289-A23BE5E768B3}" type="datetimeFigureOut">
               <a:rPr lang="en-US" smtClean="0"/>
-              <a:t>11/7/2022</a:t>
+              <a:t>11/15/2022</a:t>
             </a:fld>
             <a:endParaRPr lang="en-US"/>
           </a:p>
@@ -1149,7 +1149,7 @@
           <a:p>
             <a:fld id="{076BF45A-7984-40DA-8289-A23BE5E768B3}" type="datetimeFigureOut">
               <a:rPr lang="en-US" smtClean="0"/>
-              <a:t>11/7/2022</a:t>
+              <a:t>11/15/2022</a:t>
             </a:fld>
             <a:endParaRPr lang="en-US"/>
           </a:p>
@@ -1414,7 +1414,7 @@
           <a:p>
             <a:fld id="{076BF45A-7984-40DA-8289-A23BE5E768B3}" type="datetimeFigureOut">
               <a:rPr lang="en-US" smtClean="0"/>
-              <a:t>11/7/2022</a:t>
+              <a:t>11/15/2022</a:t>
             </a:fld>
             <a:endParaRPr lang="en-US"/>
           </a:p>
@@ -1826,7 +1826,7 @@
           <a:p>
             <a:fld id="{076BF45A-7984-40DA-8289-A23BE5E768B3}" type="datetimeFigureOut">
               <a:rPr lang="en-US" smtClean="0"/>
-              <a:t>11/7/2022</a:t>
+              <a:t>11/15/2022</a:t>
             </a:fld>
             <a:endParaRPr lang="en-US"/>
           </a:p>
@@ -1967,7 +1967,7 @@
           <a:p>
             <a:fld id="{076BF45A-7984-40DA-8289-A23BE5E768B3}" type="datetimeFigureOut">
               <a:rPr lang="en-US" smtClean="0"/>
-              <a:t>11/7/2022</a:t>
+              <a:t>11/15/2022</a:t>
             </a:fld>
             <a:endParaRPr lang="en-US"/>
           </a:p>
@@ -2080,7 +2080,7 @@
           <a:p>
             <a:fld id="{076BF45A-7984-40DA-8289-A23BE5E768B3}" type="datetimeFigureOut">
               <a:rPr lang="en-US" smtClean="0"/>
-              <a:t>11/7/2022</a:t>
+              <a:t>11/15/2022</a:t>
             </a:fld>
             <a:endParaRPr lang="en-US"/>
           </a:p>
@@ -2391,7 +2391,7 @@
           <a:p>
             <a:fld id="{076BF45A-7984-40DA-8289-A23BE5E768B3}" type="datetimeFigureOut">
               <a:rPr lang="en-US" smtClean="0"/>
-              <a:t>11/7/2022</a:t>
+              <a:t>11/15/2022</a:t>
             </a:fld>
             <a:endParaRPr lang="en-US"/>
           </a:p>
@@ -2679,7 +2679,7 @@
           <a:p>
             <a:fld id="{076BF45A-7984-40DA-8289-A23BE5E768B3}" type="datetimeFigureOut">
               <a:rPr lang="en-US" smtClean="0"/>
-              <a:t>11/7/2022</a:t>
+              <a:t>11/15/2022</a:t>
             </a:fld>
             <a:endParaRPr lang="en-US"/>
           </a:p>
@@ -2920,7 +2920,7 @@
           <a:p>
             <a:fld id="{076BF45A-7984-40DA-8289-A23BE5E768B3}" type="datetimeFigureOut">
               <a:rPr lang="en-US" smtClean="0"/>
-              <a:t>11/7/2022</a:t>
+              <a:t>11/15/2022</a:t>
             </a:fld>
             <a:endParaRPr lang="en-US"/>
           </a:p>
@@ -3351,7 +3351,7 @@
         </p:nvSpPr>
         <p:spPr>
           <a:xfrm>
-            <a:off x="1142441" y="4750685"/>
+            <a:off x="1205053" y="5313458"/>
             <a:ext cx="10239019" cy="1015663"/>
           </a:xfrm>
           <a:prstGeom prst="rect">
@@ -3376,42 +3376,1362 @@
           </a:p>
         </p:txBody>
       </p:sp>
-      <p:pic>
-        <p:nvPicPr>
-          <p:cNvPr id="20" name="Picture 19">
-            <a:extLst>
-              <a:ext uri="{FF2B5EF4-FFF2-40B4-BE49-F238E27FC236}">
-                <a16:creationId xmlns:a16="http://schemas.microsoft.com/office/drawing/2014/main" id="{0E66BE4B-2740-38A2-FEE7-B9A29252C840}"/>
-              </a:ext>
-            </a:extLst>
-          </p:cNvPr>
-          <p:cNvPicPr>
-            <a:picLocks noChangeAspect="1"/>
-          </p:cNvPicPr>
+      <p:cxnSp>
+        <p:nvCxnSpPr>
+          <p:cNvPr id="27" name="Straight Connector 26">
+            <a:extLst>
+              <a:ext uri="{FF2B5EF4-FFF2-40B4-BE49-F238E27FC236}">
+                <a16:creationId xmlns:a16="http://schemas.microsoft.com/office/drawing/2014/main" id="{DA76C4EA-94A9-3A8F-CC66-6E55ECB3D3E7}"/>
+              </a:ext>
+            </a:extLst>
+          </p:cNvPr>
+          <p:cNvCxnSpPr>
+            <a:cxnSpLocks/>
+          </p:cNvCxnSpPr>
           <p:nvPr/>
-        </p:nvPicPr>
-        <p:blipFill>
-          <a:blip r:embed="rId2"/>
-          <a:stretch>
-            <a:fillRect/>
-          </a:stretch>
-        </p:blipFill>
-        <p:spPr>
-          <a:xfrm rot="16200000">
-            <a:off x="4176713" y="803717"/>
-            <a:ext cx="3248025" cy="3162300"/>
+        </p:nvCxnSpPr>
+        <p:spPr>
+          <a:xfrm>
+            <a:off x="2905273" y="1438275"/>
+            <a:ext cx="0" cy="457200"/>
+          </a:xfrm>
+          <a:prstGeom prst="line">
+            <a:avLst/>
+          </a:prstGeom>
+          <a:ln w="101600">
+            <a:solidFill>
+              <a:schemeClr val="tx1"/>
+            </a:solidFill>
+          </a:ln>
+        </p:spPr>
+        <p:style>
+          <a:lnRef idx="1">
+            <a:schemeClr val="accent1"/>
+          </a:lnRef>
+          <a:fillRef idx="0">
+            <a:schemeClr val="accent1"/>
+          </a:fillRef>
+          <a:effectRef idx="0">
+            <a:schemeClr val="accent1"/>
+          </a:effectRef>
+          <a:fontRef idx="minor">
+            <a:schemeClr val="tx1"/>
+          </a:fontRef>
+        </p:style>
+      </p:cxnSp>
+      <p:cxnSp>
+        <p:nvCxnSpPr>
+          <p:cNvPr id="26" name="Straight Connector 25">
+            <a:extLst>
+              <a:ext uri="{FF2B5EF4-FFF2-40B4-BE49-F238E27FC236}">
+                <a16:creationId xmlns:a16="http://schemas.microsoft.com/office/drawing/2014/main" id="{46894373-7728-E3DA-77E8-380463D28D72}"/>
+              </a:ext>
+            </a:extLst>
+          </p:cNvPr>
+          <p:cNvCxnSpPr>
+            <a:cxnSpLocks/>
+          </p:cNvCxnSpPr>
+          <p:nvPr/>
+        </p:nvCxnSpPr>
+        <p:spPr>
+          <a:xfrm>
+            <a:off x="2905273" y="532254"/>
+            <a:ext cx="0" cy="457200"/>
+          </a:xfrm>
+          <a:prstGeom prst="line">
+            <a:avLst/>
+          </a:prstGeom>
+          <a:ln w="101600">
+            <a:solidFill>
+              <a:srgbClr val="FF0000"/>
+            </a:solidFill>
+          </a:ln>
+        </p:spPr>
+        <p:style>
+          <a:lnRef idx="1">
+            <a:schemeClr val="accent1"/>
+          </a:lnRef>
+          <a:fillRef idx="0">
+            <a:schemeClr val="accent1"/>
+          </a:fillRef>
+          <a:effectRef idx="0">
+            <a:schemeClr val="accent1"/>
+          </a:effectRef>
+          <a:fontRef idx="minor">
+            <a:schemeClr val="tx1"/>
+          </a:fontRef>
+        </p:style>
+      </p:cxnSp>
+      <p:cxnSp>
+        <p:nvCxnSpPr>
+          <p:cNvPr id="29" name="Straight Connector 28">
+            <a:extLst>
+              <a:ext uri="{FF2B5EF4-FFF2-40B4-BE49-F238E27FC236}">
+                <a16:creationId xmlns:a16="http://schemas.microsoft.com/office/drawing/2014/main" id="{9325E7C4-8F35-7B2B-31D9-00A846395C09}"/>
+              </a:ext>
+            </a:extLst>
+          </p:cNvPr>
+          <p:cNvCxnSpPr>
+            <a:cxnSpLocks/>
+          </p:cNvCxnSpPr>
+          <p:nvPr/>
+        </p:nvCxnSpPr>
+        <p:spPr>
+          <a:xfrm>
+            <a:off x="2571750" y="989454"/>
+            <a:ext cx="342422" cy="475253"/>
+          </a:xfrm>
+          <a:prstGeom prst="line">
+            <a:avLst/>
+          </a:prstGeom>
+          <a:ln w="101600">
+            <a:solidFill>
+              <a:schemeClr val="tx1"/>
+            </a:solidFill>
+          </a:ln>
+        </p:spPr>
+        <p:style>
+          <a:lnRef idx="1">
+            <a:schemeClr val="accent1"/>
+          </a:lnRef>
+          <a:fillRef idx="0">
+            <a:schemeClr val="accent1"/>
+          </a:fillRef>
+          <a:effectRef idx="0">
+            <a:schemeClr val="accent1"/>
+          </a:effectRef>
+          <a:fontRef idx="minor">
+            <a:schemeClr val="tx1"/>
+          </a:fontRef>
+        </p:style>
+      </p:cxnSp>
+      <p:cxnSp>
+        <p:nvCxnSpPr>
+          <p:cNvPr id="35" name="Straight Connector 34">
+            <a:extLst>
+              <a:ext uri="{FF2B5EF4-FFF2-40B4-BE49-F238E27FC236}">
+                <a16:creationId xmlns:a16="http://schemas.microsoft.com/office/drawing/2014/main" id="{70C66DF2-F635-2F8D-9C91-127FB28856BD}"/>
+              </a:ext>
+            </a:extLst>
+          </p:cNvPr>
+          <p:cNvCxnSpPr>
+            <a:cxnSpLocks/>
+          </p:cNvCxnSpPr>
+          <p:nvPr/>
+        </p:nvCxnSpPr>
+        <p:spPr>
+          <a:xfrm>
+            <a:off x="2905273" y="3250317"/>
+            <a:ext cx="0" cy="457200"/>
+          </a:xfrm>
+          <a:prstGeom prst="line">
+            <a:avLst/>
+          </a:prstGeom>
+          <a:ln w="101600">
+            <a:solidFill>
+              <a:schemeClr val="tx1"/>
+            </a:solidFill>
+          </a:ln>
+        </p:spPr>
+        <p:style>
+          <a:lnRef idx="1">
+            <a:schemeClr val="accent1"/>
+          </a:lnRef>
+          <a:fillRef idx="0">
+            <a:schemeClr val="accent1"/>
+          </a:fillRef>
+          <a:effectRef idx="0">
+            <a:schemeClr val="accent1"/>
+          </a:effectRef>
+          <a:fontRef idx="minor">
+            <a:schemeClr val="tx1"/>
+          </a:fontRef>
+        </p:style>
+      </p:cxnSp>
+      <p:cxnSp>
+        <p:nvCxnSpPr>
+          <p:cNvPr id="36" name="Straight Connector 35">
+            <a:extLst>
+              <a:ext uri="{FF2B5EF4-FFF2-40B4-BE49-F238E27FC236}">
+                <a16:creationId xmlns:a16="http://schemas.microsoft.com/office/drawing/2014/main" id="{0F6D1764-012A-AFCE-E695-A5F5B2290F4B}"/>
+              </a:ext>
+            </a:extLst>
+          </p:cNvPr>
+          <p:cNvCxnSpPr>
+            <a:cxnSpLocks/>
+          </p:cNvCxnSpPr>
+          <p:nvPr/>
+        </p:nvCxnSpPr>
+        <p:spPr>
+          <a:xfrm>
+            <a:off x="2905273" y="2344296"/>
+            <a:ext cx="0" cy="457200"/>
+          </a:xfrm>
+          <a:prstGeom prst="line">
+            <a:avLst/>
+          </a:prstGeom>
+          <a:ln w="101600">
+            <a:solidFill>
+              <a:schemeClr val="tx1"/>
+            </a:solidFill>
+          </a:ln>
+        </p:spPr>
+        <p:style>
+          <a:lnRef idx="1">
+            <a:schemeClr val="accent1"/>
+          </a:lnRef>
+          <a:fillRef idx="0">
+            <a:schemeClr val="accent1"/>
+          </a:fillRef>
+          <a:effectRef idx="0">
+            <a:schemeClr val="accent1"/>
+          </a:effectRef>
+          <a:fontRef idx="minor">
+            <a:schemeClr val="tx1"/>
+          </a:fontRef>
+        </p:style>
+      </p:cxnSp>
+      <p:cxnSp>
+        <p:nvCxnSpPr>
+          <p:cNvPr id="37" name="Straight Connector 36">
+            <a:extLst>
+              <a:ext uri="{FF2B5EF4-FFF2-40B4-BE49-F238E27FC236}">
+                <a16:creationId xmlns:a16="http://schemas.microsoft.com/office/drawing/2014/main" id="{171D98D9-A7EC-AAE0-F6D7-6E12008B151A}"/>
+              </a:ext>
+            </a:extLst>
+          </p:cNvPr>
+          <p:cNvCxnSpPr>
+            <a:cxnSpLocks/>
+          </p:cNvCxnSpPr>
+          <p:nvPr/>
+        </p:nvCxnSpPr>
+        <p:spPr>
+          <a:xfrm>
+            <a:off x="2571750" y="2801496"/>
+            <a:ext cx="342422" cy="486029"/>
+          </a:xfrm>
+          <a:prstGeom prst="line">
+            <a:avLst/>
+          </a:prstGeom>
+          <a:ln w="101600">
+            <a:solidFill>
+              <a:schemeClr val="tx1"/>
+            </a:solidFill>
+          </a:ln>
+        </p:spPr>
+        <p:style>
+          <a:lnRef idx="1">
+            <a:schemeClr val="accent1"/>
+          </a:lnRef>
+          <a:fillRef idx="0">
+            <a:schemeClr val="accent1"/>
+          </a:fillRef>
+          <a:effectRef idx="0">
+            <a:schemeClr val="accent1"/>
+          </a:effectRef>
+          <a:fontRef idx="minor">
+            <a:schemeClr val="tx1"/>
+          </a:fontRef>
+        </p:style>
+      </p:cxnSp>
+      <p:cxnSp>
+        <p:nvCxnSpPr>
+          <p:cNvPr id="39" name="Straight Connector 38">
+            <a:extLst>
+              <a:ext uri="{FF2B5EF4-FFF2-40B4-BE49-F238E27FC236}">
+                <a16:creationId xmlns:a16="http://schemas.microsoft.com/office/drawing/2014/main" id="{65553531-4D31-7F6B-BCB9-4D3AFECFB5A7}"/>
+              </a:ext>
+            </a:extLst>
+          </p:cNvPr>
+          <p:cNvCxnSpPr>
+            <a:cxnSpLocks/>
+          </p:cNvCxnSpPr>
+          <p:nvPr/>
+        </p:nvCxnSpPr>
+        <p:spPr>
+          <a:xfrm>
+            <a:off x="8420028" y="1438275"/>
+            <a:ext cx="0" cy="457200"/>
+          </a:xfrm>
+          <a:prstGeom prst="line">
+            <a:avLst/>
+          </a:prstGeom>
+          <a:ln w="101600">
+            <a:solidFill>
+              <a:schemeClr val="tx1"/>
+            </a:solidFill>
+          </a:ln>
+        </p:spPr>
+        <p:style>
+          <a:lnRef idx="1">
+            <a:schemeClr val="accent1"/>
+          </a:lnRef>
+          <a:fillRef idx="0">
+            <a:schemeClr val="accent1"/>
+          </a:fillRef>
+          <a:effectRef idx="0">
+            <a:schemeClr val="accent1"/>
+          </a:effectRef>
+          <a:fontRef idx="minor">
+            <a:schemeClr val="tx1"/>
+          </a:fontRef>
+        </p:style>
+      </p:cxnSp>
+      <p:cxnSp>
+        <p:nvCxnSpPr>
+          <p:cNvPr id="40" name="Straight Connector 39">
+            <a:extLst>
+              <a:ext uri="{FF2B5EF4-FFF2-40B4-BE49-F238E27FC236}">
+                <a16:creationId xmlns:a16="http://schemas.microsoft.com/office/drawing/2014/main" id="{D56BEE89-1CEC-2361-065D-21D8F5687C34}"/>
+              </a:ext>
+            </a:extLst>
+          </p:cNvPr>
+          <p:cNvCxnSpPr>
+            <a:cxnSpLocks/>
+          </p:cNvCxnSpPr>
+          <p:nvPr/>
+        </p:nvCxnSpPr>
+        <p:spPr>
+          <a:xfrm>
+            <a:off x="8420028" y="532254"/>
+            <a:ext cx="0" cy="457200"/>
+          </a:xfrm>
+          <a:prstGeom prst="line">
+            <a:avLst/>
+          </a:prstGeom>
+          <a:ln w="101600">
+            <a:solidFill>
+              <a:srgbClr val="FF0000"/>
+            </a:solidFill>
+          </a:ln>
+        </p:spPr>
+        <p:style>
+          <a:lnRef idx="1">
+            <a:schemeClr val="accent1"/>
+          </a:lnRef>
+          <a:fillRef idx="0">
+            <a:schemeClr val="accent1"/>
+          </a:fillRef>
+          <a:effectRef idx="0">
+            <a:schemeClr val="accent1"/>
+          </a:effectRef>
+          <a:fontRef idx="minor">
+            <a:schemeClr val="tx1"/>
+          </a:fontRef>
+        </p:style>
+      </p:cxnSp>
+      <p:cxnSp>
+        <p:nvCxnSpPr>
+          <p:cNvPr id="41" name="Straight Connector 40">
+            <a:extLst>
+              <a:ext uri="{FF2B5EF4-FFF2-40B4-BE49-F238E27FC236}">
+                <a16:creationId xmlns:a16="http://schemas.microsoft.com/office/drawing/2014/main" id="{86DD61BF-6E08-0005-A355-B2E6A22AA8D9}"/>
+              </a:ext>
+            </a:extLst>
+          </p:cNvPr>
+          <p:cNvCxnSpPr>
+            <a:cxnSpLocks/>
+          </p:cNvCxnSpPr>
+          <p:nvPr/>
+        </p:nvCxnSpPr>
+        <p:spPr>
+          <a:xfrm>
+            <a:off x="8086505" y="989454"/>
+            <a:ext cx="347852" cy="486029"/>
+          </a:xfrm>
+          <a:prstGeom prst="line">
+            <a:avLst/>
+          </a:prstGeom>
+          <a:ln w="101600">
+            <a:solidFill>
+              <a:schemeClr val="tx1"/>
+            </a:solidFill>
+          </a:ln>
+        </p:spPr>
+        <p:style>
+          <a:lnRef idx="1">
+            <a:schemeClr val="accent1"/>
+          </a:lnRef>
+          <a:fillRef idx="0">
+            <a:schemeClr val="accent1"/>
+          </a:fillRef>
+          <a:effectRef idx="0">
+            <a:schemeClr val="accent1"/>
+          </a:effectRef>
+          <a:fontRef idx="minor">
+            <a:schemeClr val="tx1"/>
+          </a:fontRef>
+        </p:style>
+      </p:cxnSp>
+      <p:cxnSp>
+        <p:nvCxnSpPr>
+          <p:cNvPr id="43" name="Straight Connector 42">
+            <a:extLst>
+              <a:ext uri="{FF2B5EF4-FFF2-40B4-BE49-F238E27FC236}">
+                <a16:creationId xmlns:a16="http://schemas.microsoft.com/office/drawing/2014/main" id="{78F9F372-A32B-145A-097F-5859F8057658}"/>
+              </a:ext>
+            </a:extLst>
+          </p:cNvPr>
+          <p:cNvCxnSpPr>
+            <a:cxnSpLocks/>
+          </p:cNvCxnSpPr>
+          <p:nvPr/>
+        </p:nvCxnSpPr>
+        <p:spPr>
+          <a:xfrm>
+            <a:off x="8420028" y="3250317"/>
+            <a:ext cx="0" cy="457200"/>
+          </a:xfrm>
+          <a:prstGeom prst="line">
+            <a:avLst/>
+          </a:prstGeom>
+          <a:ln w="101600">
+            <a:solidFill>
+              <a:schemeClr val="tx1"/>
+            </a:solidFill>
+          </a:ln>
+        </p:spPr>
+        <p:style>
+          <a:lnRef idx="1">
+            <a:schemeClr val="accent1"/>
+          </a:lnRef>
+          <a:fillRef idx="0">
+            <a:schemeClr val="accent1"/>
+          </a:fillRef>
+          <a:effectRef idx="0">
+            <a:schemeClr val="accent1"/>
+          </a:effectRef>
+          <a:fontRef idx="minor">
+            <a:schemeClr val="tx1"/>
+          </a:fontRef>
+        </p:style>
+      </p:cxnSp>
+      <p:cxnSp>
+        <p:nvCxnSpPr>
+          <p:cNvPr id="44" name="Straight Connector 43">
+            <a:extLst>
+              <a:ext uri="{FF2B5EF4-FFF2-40B4-BE49-F238E27FC236}">
+                <a16:creationId xmlns:a16="http://schemas.microsoft.com/office/drawing/2014/main" id="{2F558667-54C4-2557-CE51-4D757D99C1A6}"/>
+              </a:ext>
+            </a:extLst>
+          </p:cNvPr>
+          <p:cNvCxnSpPr>
+            <a:cxnSpLocks/>
+          </p:cNvCxnSpPr>
+          <p:nvPr/>
+        </p:nvCxnSpPr>
+        <p:spPr>
+          <a:xfrm>
+            <a:off x="8420028" y="2344296"/>
+            <a:ext cx="0" cy="457200"/>
+          </a:xfrm>
+          <a:prstGeom prst="line">
+            <a:avLst/>
+          </a:prstGeom>
+          <a:ln w="101600">
+            <a:solidFill>
+              <a:schemeClr val="tx1"/>
+            </a:solidFill>
+          </a:ln>
+        </p:spPr>
+        <p:style>
+          <a:lnRef idx="1">
+            <a:schemeClr val="accent1"/>
+          </a:lnRef>
+          <a:fillRef idx="0">
+            <a:schemeClr val="accent1"/>
+          </a:fillRef>
+          <a:effectRef idx="0">
+            <a:schemeClr val="accent1"/>
+          </a:effectRef>
+          <a:fontRef idx="minor">
+            <a:schemeClr val="tx1"/>
+          </a:fontRef>
+        </p:style>
+      </p:cxnSp>
+      <p:cxnSp>
+        <p:nvCxnSpPr>
+          <p:cNvPr id="45" name="Straight Connector 44">
+            <a:extLst>
+              <a:ext uri="{FF2B5EF4-FFF2-40B4-BE49-F238E27FC236}">
+                <a16:creationId xmlns:a16="http://schemas.microsoft.com/office/drawing/2014/main" id="{41A271CD-73D7-2DAE-58BE-947D6552B9D9}"/>
+              </a:ext>
+            </a:extLst>
+          </p:cNvPr>
+          <p:cNvCxnSpPr>
+            <a:cxnSpLocks/>
+          </p:cNvCxnSpPr>
+          <p:nvPr/>
+        </p:nvCxnSpPr>
+        <p:spPr>
+          <a:xfrm>
+            <a:off x="8086505" y="2801496"/>
+            <a:ext cx="347852" cy="486029"/>
+          </a:xfrm>
+          <a:prstGeom prst="line">
+            <a:avLst/>
+          </a:prstGeom>
+          <a:ln w="101600">
+            <a:solidFill>
+              <a:schemeClr val="tx1"/>
+            </a:solidFill>
+          </a:ln>
+        </p:spPr>
+        <p:style>
+          <a:lnRef idx="1">
+            <a:schemeClr val="accent1"/>
+          </a:lnRef>
+          <a:fillRef idx="0">
+            <a:schemeClr val="accent1"/>
+          </a:fillRef>
+          <a:effectRef idx="0">
+            <a:schemeClr val="accent1"/>
+          </a:effectRef>
+          <a:fontRef idx="minor">
+            <a:schemeClr val="tx1"/>
+          </a:fontRef>
+        </p:style>
+      </p:cxnSp>
+      <p:cxnSp>
+        <p:nvCxnSpPr>
+          <p:cNvPr id="46" name="Straight Connector 45">
+            <a:extLst>
+              <a:ext uri="{FF2B5EF4-FFF2-40B4-BE49-F238E27FC236}">
+                <a16:creationId xmlns:a16="http://schemas.microsoft.com/office/drawing/2014/main" id="{E839280C-8B3E-1F92-8815-9CC4A030FC4D}"/>
+              </a:ext>
+            </a:extLst>
+          </p:cNvPr>
+          <p:cNvCxnSpPr>
+            <a:cxnSpLocks/>
+          </p:cNvCxnSpPr>
+          <p:nvPr/>
+        </p:nvCxnSpPr>
+        <p:spPr>
+          <a:xfrm>
+            <a:off x="2905273" y="1895475"/>
+            <a:ext cx="0" cy="457200"/>
+          </a:xfrm>
+          <a:prstGeom prst="line">
+            <a:avLst/>
+          </a:prstGeom>
+          <a:ln w="101600">
+            <a:solidFill>
+              <a:schemeClr val="tx1"/>
+            </a:solidFill>
+          </a:ln>
+        </p:spPr>
+        <p:style>
+          <a:lnRef idx="1">
+            <a:schemeClr val="accent1"/>
+          </a:lnRef>
+          <a:fillRef idx="0">
+            <a:schemeClr val="accent1"/>
+          </a:fillRef>
+          <a:effectRef idx="0">
+            <a:schemeClr val="accent1"/>
+          </a:effectRef>
+          <a:fontRef idx="minor">
+            <a:schemeClr val="tx1"/>
+          </a:fontRef>
+        </p:style>
+      </p:cxnSp>
+      <p:cxnSp>
+        <p:nvCxnSpPr>
+          <p:cNvPr id="47" name="Straight Connector 46">
+            <a:extLst>
+              <a:ext uri="{FF2B5EF4-FFF2-40B4-BE49-F238E27FC236}">
+                <a16:creationId xmlns:a16="http://schemas.microsoft.com/office/drawing/2014/main" id="{5FD633CD-DDB6-C1D9-9E08-59B852EC3346}"/>
+              </a:ext>
+            </a:extLst>
+          </p:cNvPr>
+          <p:cNvCxnSpPr>
+            <a:cxnSpLocks/>
+          </p:cNvCxnSpPr>
+          <p:nvPr/>
+        </p:nvCxnSpPr>
+        <p:spPr>
+          <a:xfrm>
+            <a:off x="8420028" y="1895475"/>
+            <a:ext cx="0" cy="457200"/>
+          </a:xfrm>
+          <a:prstGeom prst="line">
+            <a:avLst/>
+          </a:prstGeom>
+          <a:ln w="101600">
+            <a:solidFill>
+              <a:schemeClr val="tx1"/>
+            </a:solidFill>
+          </a:ln>
+        </p:spPr>
+        <p:style>
+          <a:lnRef idx="1">
+            <a:schemeClr val="accent1"/>
+          </a:lnRef>
+          <a:fillRef idx="0">
+            <a:schemeClr val="accent1"/>
+          </a:fillRef>
+          <a:effectRef idx="0">
+            <a:schemeClr val="accent1"/>
+          </a:effectRef>
+          <a:fontRef idx="minor">
+            <a:schemeClr val="tx1"/>
+          </a:fontRef>
+        </p:style>
+      </p:cxnSp>
+      <p:cxnSp>
+        <p:nvCxnSpPr>
+          <p:cNvPr id="48" name="Straight Connector 47">
+            <a:extLst>
+              <a:ext uri="{FF2B5EF4-FFF2-40B4-BE49-F238E27FC236}">
+                <a16:creationId xmlns:a16="http://schemas.microsoft.com/office/drawing/2014/main" id="{3DF3FC3E-68DC-5B69-AFA8-AB9ECBCF39D2}"/>
+              </a:ext>
+            </a:extLst>
+          </p:cNvPr>
+          <p:cNvCxnSpPr>
+            <a:cxnSpLocks/>
+          </p:cNvCxnSpPr>
+          <p:nvPr/>
+        </p:nvCxnSpPr>
+        <p:spPr>
+          <a:xfrm>
+            <a:off x="2905273" y="2344296"/>
+            <a:ext cx="2024063" cy="0"/>
+          </a:xfrm>
+          <a:prstGeom prst="line">
+            <a:avLst/>
+          </a:prstGeom>
+          <a:ln w="101600">
+            <a:solidFill>
+              <a:schemeClr val="tx1"/>
+            </a:solidFill>
+          </a:ln>
+        </p:spPr>
+        <p:style>
+          <a:lnRef idx="1">
+            <a:schemeClr val="accent1"/>
+          </a:lnRef>
+          <a:fillRef idx="0">
+            <a:schemeClr val="accent1"/>
+          </a:fillRef>
+          <a:effectRef idx="0">
+            <a:schemeClr val="accent1"/>
+          </a:effectRef>
+          <a:fontRef idx="minor">
+            <a:schemeClr val="tx1"/>
+          </a:fontRef>
+        </p:style>
+      </p:cxnSp>
+      <p:cxnSp>
+        <p:nvCxnSpPr>
+          <p:cNvPr id="51" name="Straight Connector 50">
+            <a:extLst>
+              <a:ext uri="{FF2B5EF4-FFF2-40B4-BE49-F238E27FC236}">
+                <a16:creationId xmlns:a16="http://schemas.microsoft.com/office/drawing/2014/main" id="{4117594A-3918-D39A-35DB-151DB8054C72}"/>
+              </a:ext>
+            </a:extLst>
+          </p:cNvPr>
+          <p:cNvCxnSpPr>
+            <a:cxnSpLocks/>
+          </p:cNvCxnSpPr>
+          <p:nvPr/>
+        </p:nvCxnSpPr>
+        <p:spPr>
+          <a:xfrm>
+            <a:off x="6267487" y="2352675"/>
+            <a:ext cx="2152541" cy="0"/>
+          </a:xfrm>
+          <a:prstGeom prst="line">
+            <a:avLst/>
+          </a:prstGeom>
+          <a:ln w="101600">
+            <a:solidFill>
+              <a:schemeClr val="tx1"/>
+            </a:solidFill>
+          </a:ln>
+        </p:spPr>
+        <p:style>
+          <a:lnRef idx="1">
+            <a:schemeClr val="accent1"/>
+          </a:lnRef>
+          <a:fillRef idx="0">
+            <a:schemeClr val="accent1"/>
+          </a:fillRef>
+          <a:effectRef idx="0">
+            <a:schemeClr val="accent1"/>
+          </a:effectRef>
+          <a:fontRef idx="minor">
+            <a:schemeClr val="tx1"/>
+          </a:fontRef>
+        </p:style>
+      </p:cxnSp>
+      <p:cxnSp>
+        <p:nvCxnSpPr>
+          <p:cNvPr id="52" name="Straight Connector 51">
+            <a:extLst>
+              <a:ext uri="{FF2B5EF4-FFF2-40B4-BE49-F238E27FC236}">
+                <a16:creationId xmlns:a16="http://schemas.microsoft.com/office/drawing/2014/main" id="{6AC83B3D-DAFB-4435-9D6D-CD9E4F01802B}"/>
+              </a:ext>
+            </a:extLst>
+          </p:cNvPr>
+          <p:cNvCxnSpPr>
+            <a:cxnSpLocks/>
+          </p:cNvCxnSpPr>
+          <p:nvPr/>
+        </p:nvCxnSpPr>
+        <p:spPr>
+          <a:xfrm flipV="1">
+            <a:off x="1419225" y="532254"/>
+            <a:ext cx="8439150" cy="8379"/>
+          </a:xfrm>
+          <a:prstGeom prst="line">
+            <a:avLst/>
+          </a:prstGeom>
+          <a:ln w="101600">
+            <a:solidFill>
+              <a:srgbClr val="FF0000"/>
+            </a:solidFill>
+          </a:ln>
+        </p:spPr>
+        <p:style>
+          <a:lnRef idx="1">
+            <a:schemeClr val="accent1"/>
+          </a:lnRef>
+          <a:fillRef idx="0">
+            <a:schemeClr val="accent1"/>
+          </a:fillRef>
+          <a:effectRef idx="0">
+            <a:schemeClr val="accent1"/>
+          </a:effectRef>
+          <a:fontRef idx="minor">
+            <a:schemeClr val="tx1"/>
+          </a:fontRef>
+        </p:style>
+      </p:cxnSp>
+      <p:cxnSp>
+        <p:nvCxnSpPr>
+          <p:cNvPr id="55" name="Straight Connector 54">
+            <a:extLst>
+              <a:ext uri="{FF2B5EF4-FFF2-40B4-BE49-F238E27FC236}">
+                <a16:creationId xmlns:a16="http://schemas.microsoft.com/office/drawing/2014/main" id="{BCA39DB6-9B9A-86A0-7C95-A413F1FE179C}"/>
+              </a:ext>
+            </a:extLst>
+          </p:cNvPr>
+          <p:cNvCxnSpPr>
+            <a:cxnSpLocks/>
+          </p:cNvCxnSpPr>
+          <p:nvPr/>
+        </p:nvCxnSpPr>
+        <p:spPr>
+          <a:xfrm flipV="1">
+            <a:off x="1419225" y="4000501"/>
+            <a:ext cx="8439150" cy="8379"/>
+          </a:xfrm>
+          <a:prstGeom prst="line">
+            <a:avLst/>
+          </a:prstGeom>
+          <a:ln w="101600">
+            <a:solidFill>
+              <a:schemeClr val="tx1"/>
+            </a:solidFill>
+          </a:ln>
+        </p:spPr>
+        <p:style>
+          <a:lnRef idx="1">
+            <a:schemeClr val="accent1"/>
+          </a:lnRef>
+          <a:fillRef idx="0">
+            <a:schemeClr val="accent1"/>
+          </a:fillRef>
+          <a:effectRef idx="0">
+            <a:schemeClr val="accent1"/>
+          </a:effectRef>
+          <a:fontRef idx="minor">
+            <a:schemeClr val="tx1"/>
+          </a:fontRef>
+        </p:style>
+      </p:cxnSp>
+      <p:cxnSp>
+        <p:nvCxnSpPr>
+          <p:cNvPr id="56" name="Straight Connector 55">
+            <a:extLst>
+              <a:ext uri="{FF2B5EF4-FFF2-40B4-BE49-F238E27FC236}">
+                <a16:creationId xmlns:a16="http://schemas.microsoft.com/office/drawing/2014/main" id="{AB0A91DB-1E34-443C-AE6B-322978730AFC}"/>
+              </a:ext>
+            </a:extLst>
+          </p:cNvPr>
+          <p:cNvCxnSpPr>
+            <a:cxnSpLocks/>
+          </p:cNvCxnSpPr>
+          <p:nvPr/>
+        </p:nvCxnSpPr>
+        <p:spPr>
+          <a:xfrm>
+            <a:off x="2905273" y="3543301"/>
+            <a:ext cx="0" cy="457200"/>
+          </a:xfrm>
+          <a:prstGeom prst="line">
+            <a:avLst/>
+          </a:prstGeom>
+          <a:ln w="101600">
+            <a:solidFill>
+              <a:schemeClr val="tx1"/>
+            </a:solidFill>
+          </a:ln>
+        </p:spPr>
+        <p:style>
+          <a:lnRef idx="1">
+            <a:schemeClr val="accent1"/>
+          </a:lnRef>
+          <a:fillRef idx="0">
+            <a:schemeClr val="accent1"/>
+          </a:fillRef>
+          <a:effectRef idx="0">
+            <a:schemeClr val="accent1"/>
+          </a:effectRef>
+          <a:fontRef idx="minor">
+            <a:schemeClr val="tx1"/>
+          </a:fontRef>
+        </p:style>
+      </p:cxnSp>
+      <p:cxnSp>
+        <p:nvCxnSpPr>
+          <p:cNvPr id="57" name="Straight Connector 56">
+            <a:extLst>
+              <a:ext uri="{FF2B5EF4-FFF2-40B4-BE49-F238E27FC236}">
+                <a16:creationId xmlns:a16="http://schemas.microsoft.com/office/drawing/2014/main" id="{A9363530-619E-6588-0DF4-F62C73363673}"/>
+              </a:ext>
+            </a:extLst>
+          </p:cNvPr>
+          <p:cNvCxnSpPr>
+            <a:cxnSpLocks/>
+          </p:cNvCxnSpPr>
+          <p:nvPr/>
+        </p:nvCxnSpPr>
+        <p:spPr>
+          <a:xfrm>
+            <a:off x="8420028" y="3515871"/>
+            <a:ext cx="0" cy="457200"/>
+          </a:xfrm>
+          <a:prstGeom prst="line">
+            <a:avLst/>
+          </a:prstGeom>
+          <a:ln w="101600">
+            <a:solidFill>
+              <a:schemeClr val="tx1"/>
+            </a:solidFill>
+          </a:ln>
+        </p:spPr>
+        <p:style>
+          <a:lnRef idx="1">
+            <a:schemeClr val="accent1"/>
+          </a:lnRef>
+          <a:fillRef idx="0">
+            <a:schemeClr val="accent1"/>
+          </a:fillRef>
+          <a:effectRef idx="0">
+            <a:schemeClr val="accent1"/>
+          </a:effectRef>
+          <a:fontRef idx="minor">
+            <a:schemeClr val="tx1"/>
+          </a:fontRef>
+        </p:style>
+      </p:cxnSp>
+      <p:sp>
+        <p:nvSpPr>
+          <p:cNvPr id="58" name="TextBox 57">
+            <a:extLst>
+              <a:ext uri="{FF2B5EF4-FFF2-40B4-BE49-F238E27FC236}">
+                <a16:creationId xmlns:a16="http://schemas.microsoft.com/office/drawing/2014/main" id="{851D79AA-240F-978F-041F-2B9C6C7FB15F}"/>
+              </a:ext>
+            </a:extLst>
+          </p:cNvPr>
+          <p:cNvSpPr txBox="1"/>
+          <p:nvPr/>
+        </p:nvSpPr>
+        <p:spPr>
+          <a:xfrm>
+            <a:off x="2017136" y="1059577"/>
+            <a:ext cx="447891" cy="369332"/>
           </a:xfrm>
           <a:prstGeom prst="rect">
             <a:avLst/>
           </a:prstGeom>
-        </p:spPr>
-      </p:pic>
+          <a:noFill/>
+        </p:spPr>
+        <p:txBody>
+          <a:bodyPr wrap="square" rtlCol="0">
+            <a:spAutoFit/>
+          </a:bodyPr>
+          <a:lstStyle/>
+          <a:p>
+            <a:r>
+              <a:rPr lang="en-US" dirty="0"/>
+              <a:t>A1</a:t>
+            </a:r>
+          </a:p>
+        </p:txBody>
+      </p:sp>
+      <p:sp>
+        <p:nvSpPr>
+          <p:cNvPr id="59" name="TextBox 58">
+            <a:extLst>
+              <a:ext uri="{FF2B5EF4-FFF2-40B4-BE49-F238E27FC236}">
+                <a16:creationId xmlns:a16="http://schemas.microsoft.com/office/drawing/2014/main" id="{D1F0BEBA-187D-F099-A2E5-48C1CB654120}"/>
+              </a:ext>
+            </a:extLst>
+          </p:cNvPr>
+          <p:cNvSpPr txBox="1"/>
+          <p:nvPr/>
+        </p:nvSpPr>
+        <p:spPr>
+          <a:xfrm>
+            <a:off x="8564380" y="2864950"/>
+            <a:ext cx="447891" cy="369332"/>
+          </a:xfrm>
+          <a:prstGeom prst="rect">
+            <a:avLst/>
+          </a:prstGeom>
+          <a:noFill/>
+        </p:spPr>
+        <p:txBody>
+          <a:bodyPr wrap="square" rtlCol="0">
+            <a:spAutoFit/>
+          </a:bodyPr>
+          <a:lstStyle/>
+          <a:p>
+            <a:r>
+              <a:rPr lang="en-US" dirty="0"/>
+              <a:t>A2</a:t>
+            </a:r>
+          </a:p>
+        </p:txBody>
+      </p:sp>
+      <p:sp>
+        <p:nvSpPr>
+          <p:cNvPr id="60" name="TextBox 59">
+            <a:extLst>
+              <a:ext uri="{FF2B5EF4-FFF2-40B4-BE49-F238E27FC236}">
+                <a16:creationId xmlns:a16="http://schemas.microsoft.com/office/drawing/2014/main" id="{428779F9-CF0B-47D6-1BBE-35FF7AA0C741}"/>
+              </a:ext>
+            </a:extLst>
+          </p:cNvPr>
+          <p:cNvSpPr txBox="1"/>
+          <p:nvPr/>
+        </p:nvSpPr>
+        <p:spPr>
+          <a:xfrm>
+            <a:off x="2017135" y="2857499"/>
+            <a:ext cx="447891" cy="369332"/>
+          </a:xfrm>
+          <a:prstGeom prst="rect">
+            <a:avLst/>
+          </a:prstGeom>
+          <a:noFill/>
+        </p:spPr>
+        <p:txBody>
+          <a:bodyPr wrap="square" rtlCol="0">
+            <a:spAutoFit/>
+          </a:bodyPr>
+          <a:lstStyle/>
+          <a:p>
+            <a:r>
+              <a:rPr lang="en-US" dirty="0"/>
+              <a:t>B2</a:t>
+            </a:r>
+          </a:p>
+        </p:txBody>
+      </p:sp>
+      <p:sp>
+        <p:nvSpPr>
+          <p:cNvPr id="61" name="TextBox 60">
+            <a:extLst>
+              <a:ext uri="{FF2B5EF4-FFF2-40B4-BE49-F238E27FC236}">
+                <a16:creationId xmlns:a16="http://schemas.microsoft.com/office/drawing/2014/main" id="{FD815367-E475-8BC0-8137-0C071EA19E2D}"/>
+              </a:ext>
+            </a:extLst>
+          </p:cNvPr>
+          <p:cNvSpPr txBox="1"/>
+          <p:nvPr/>
+        </p:nvSpPr>
+        <p:spPr>
+          <a:xfrm>
+            <a:off x="8564380" y="997833"/>
+            <a:ext cx="447891" cy="369332"/>
+          </a:xfrm>
+          <a:prstGeom prst="rect">
+            <a:avLst/>
+          </a:prstGeom>
+          <a:noFill/>
+        </p:spPr>
+        <p:txBody>
+          <a:bodyPr wrap="square" rtlCol="0">
+            <a:spAutoFit/>
+          </a:bodyPr>
+          <a:lstStyle/>
+          <a:p>
+            <a:r>
+              <a:rPr lang="en-US" dirty="0"/>
+              <a:t>B1</a:t>
+            </a:r>
+          </a:p>
+        </p:txBody>
+      </p:sp>
+      <p:sp>
+        <p:nvSpPr>
+          <p:cNvPr id="62" name="TextBox 61">
+            <a:extLst>
+              <a:ext uri="{FF2B5EF4-FFF2-40B4-BE49-F238E27FC236}">
+                <a16:creationId xmlns:a16="http://schemas.microsoft.com/office/drawing/2014/main" id="{A901C556-6EEF-1C8E-F0EA-73A3CD4F9234}"/>
+              </a:ext>
+            </a:extLst>
+          </p:cNvPr>
+          <p:cNvSpPr txBox="1"/>
+          <p:nvPr/>
+        </p:nvSpPr>
+        <p:spPr>
+          <a:xfrm>
+            <a:off x="2571750" y="162921"/>
+            <a:ext cx="1538246" cy="369332"/>
+          </a:xfrm>
+          <a:prstGeom prst="rect">
+            <a:avLst/>
+          </a:prstGeom>
+          <a:noFill/>
+        </p:spPr>
+        <p:txBody>
+          <a:bodyPr wrap="square" rtlCol="0">
+            <a:spAutoFit/>
+          </a:bodyPr>
+          <a:lstStyle/>
+          <a:p>
+            <a:r>
+              <a:rPr lang="en-US" dirty="0"/>
+              <a:t>Positive</a:t>
+            </a:r>
+          </a:p>
+        </p:txBody>
+      </p:sp>
+      <p:sp>
+        <p:nvSpPr>
+          <p:cNvPr id="63" name="TextBox 62">
+            <a:extLst>
+              <a:ext uri="{FF2B5EF4-FFF2-40B4-BE49-F238E27FC236}">
+                <a16:creationId xmlns:a16="http://schemas.microsoft.com/office/drawing/2014/main" id="{AFF7465E-A1A3-E7DC-2B70-98C765DD0C94}"/>
+              </a:ext>
+            </a:extLst>
+          </p:cNvPr>
+          <p:cNvSpPr txBox="1"/>
+          <p:nvPr/>
+        </p:nvSpPr>
+        <p:spPr>
+          <a:xfrm>
+            <a:off x="2571750" y="4053744"/>
+            <a:ext cx="1538246" cy="369332"/>
+          </a:xfrm>
+          <a:prstGeom prst="rect">
+            <a:avLst/>
+          </a:prstGeom>
+          <a:noFill/>
+        </p:spPr>
+        <p:txBody>
+          <a:bodyPr wrap="square" rtlCol="0">
+            <a:spAutoFit/>
+          </a:bodyPr>
+          <a:lstStyle/>
+          <a:p>
+            <a:r>
+              <a:rPr lang="en-US" dirty="0"/>
+              <a:t>Negative</a:t>
+            </a:r>
+          </a:p>
+        </p:txBody>
+      </p:sp>
+      <p:cxnSp>
+        <p:nvCxnSpPr>
+          <p:cNvPr id="4" name="Straight Connector 3">
+            <a:extLst>
+              <a:ext uri="{FF2B5EF4-FFF2-40B4-BE49-F238E27FC236}">
+                <a16:creationId xmlns:a16="http://schemas.microsoft.com/office/drawing/2014/main" id="{2B42BD84-BB81-09C8-C32C-1B5F941AF9BB}"/>
+              </a:ext>
+            </a:extLst>
+          </p:cNvPr>
+          <p:cNvCxnSpPr>
+            <a:cxnSpLocks/>
+          </p:cNvCxnSpPr>
+          <p:nvPr/>
+        </p:nvCxnSpPr>
+        <p:spPr>
+          <a:xfrm>
+            <a:off x="4881712" y="2824162"/>
+            <a:ext cx="1457177" cy="8379"/>
+          </a:xfrm>
+          <a:prstGeom prst="line">
+            <a:avLst/>
+          </a:prstGeom>
+          <a:ln w="101600">
+            <a:solidFill>
+              <a:schemeClr val="tx1"/>
+            </a:solidFill>
+          </a:ln>
+        </p:spPr>
+        <p:style>
+          <a:lnRef idx="1">
+            <a:schemeClr val="accent1"/>
+          </a:lnRef>
+          <a:fillRef idx="0">
+            <a:schemeClr val="accent1"/>
+          </a:fillRef>
+          <a:effectRef idx="0">
+            <a:schemeClr val="accent1"/>
+          </a:effectRef>
+          <a:fontRef idx="minor">
+            <a:schemeClr val="tx1"/>
+          </a:fontRef>
+        </p:style>
+      </p:cxnSp>
+      <p:cxnSp>
+        <p:nvCxnSpPr>
+          <p:cNvPr id="5" name="Straight Connector 4">
+            <a:extLst>
+              <a:ext uri="{FF2B5EF4-FFF2-40B4-BE49-F238E27FC236}">
+                <a16:creationId xmlns:a16="http://schemas.microsoft.com/office/drawing/2014/main" id="{7B2EEF94-B41D-446A-5C89-FCFFFBA5BCBF}"/>
+              </a:ext>
+            </a:extLst>
+          </p:cNvPr>
+          <p:cNvCxnSpPr>
+            <a:cxnSpLocks/>
+          </p:cNvCxnSpPr>
+          <p:nvPr/>
+        </p:nvCxnSpPr>
+        <p:spPr>
+          <a:xfrm>
+            <a:off x="4881711" y="1811468"/>
+            <a:ext cx="1457177" cy="8379"/>
+          </a:xfrm>
+          <a:prstGeom prst="line">
+            <a:avLst/>
+          </a:prstGeom>
+          <a:ln w="101600">
+            <a:solidFill>
+              <a:schemeClr val="tx1"/>
+            </a:solidFill>
+          </a:ln>
+        </p:spPr>
+        <p:style>
+          <a:lnRef idx="1">
+            <a:schemeClr val="accent1"/>
+          </a:lnRef>
+          <a:fillRef idx="0">
+            <a:schemeClr val="accent1"/>
+          </a:fillRef>
+          <a:effectRef idx="0">
+            <a:schemeClr val="accent1"/>
+          </a:effectRef>
+          <a:fontRef idx="minor">
+            <a:schemeClr val="tx1"/>
+          </a:fontRef>
+        </p:style>
+      </p:cxnSp>
+      <p:cxnSp>
+        <p:nvCxnSpPr>
+          <p:cNvPr id="6" name="Straight Connector 5">
+            <a:extLst>
+              <a:ext uri="{FF2B5EF4-FFF2-40B4-BE49-F238E27FC236}">
+                <a16:creationId xmlns:a16="http://schemas.microsoft.com/office/drawing/2014/main" id="{AF507E12-D0D8-397A-7923-658B8FC259B9}"/>
+              </a:ext>
+            </a:extLst>
+          </p:cNvPr>
+          <p:cNvCxnSpPr>
+            <a:cxnSpLocks/>
+          </p:cNvCxnSpPr>
+          <p:nvPr/>
+        </p:nvCxnSpPr>
+        <p:spPr>
+          <a:xfrm>
+            <a:off x="4929337" y="1811468"/>
+            <a:ext cx="0" cy="1034741"/>
+          </a:xfrm>
+          <a:prstGeom prst="line">
+            <a:avLst/>
+          </a:prstGeom>
+          <a:ln w="101600">
+            <a:solidFill>
+              <a:schemeClr val="tx1"/>
+            </a:solidFill>
+          </a:ln>
+        </p:spPr>
+        <p:style>
+          <a:lnRef idx="1">
+            <a:schemeClr val="accent1"/>
+          </a:lnRef>
+          <a:fillRef idx="0">
+            <a:schemeClr val="accent1"/>
+          </a:fillRef>
+          <a:effectRef idx="0">
+            <a:schemeClr val="accent1"/>
+          </a:effectRef>
+          <a:fontRef idx="minor">
+            <a:schemeClr val="tx1"/>
+          </a:fontRef>
+        </p:style>
+      </p:cxnSp>
+      <p:cxnSp>
+        <p:nvCxnSpPr>
+          <p:cNvPr id="10" name="Straight Connector 9">
+            <a:extLst>
+              <a:ext uri="{FF2B5EF4-FFF2-40B4-BE49-F238E27FC236}">
+                <a16:creationId xmlns:a16="http://schemas.microsoft.com/office/drawing/2014/main" id="{2E18A3F3-C704-324C-CAD9-7527D60BA503}"/>
+              </a:ext>
+            </a:extLst>
+          </p:cNvPr>
+          <p:cNvCxnSpPr>
+            <a:cxnSpLocks/>
+          </p:cNvCxnSpPr>
+          <p:nvPr/>
+        </p:nvCxnSpPr>
+        <p:spPr>
+          <a:xfrm>
+            <a:off x="6276387" y="1835304"/>
+            <a:ext cx="0" cy="1034741"/>
+          </a:xfrm>
+          <a:prstGeom prst="line">
+            <a:avLst/>
+          </a:prstGeom>
+          <a:ln w="101600">
+            <a:solidFill>
+              <a:schemeClr val="tx1"/>
+            </a:solidFill>
+          </a:ln>
+        </p:spPr>
+        <p:style>
+          <a:lnRef idx="1">
+            <a:schemeClr val="accent1"/>
+          </a:lnRef>
+          <a:fillRef idx="0">
+            <a:schemeClr val="accent1"/>
+          </a:fillRef>
+          <a:effectRef idx="0">
+            <a:schemeClr val="accent1"/>
+          </a:effectRef>
+          <a:fontRef idx="minor">
+            <a:schemeClr val="tx1"/>
+          </a:fontRef>
+        </p:style>
+      </p:cxnSp>
+      <p:sp>
+        <p:nvSpPr>
+          <p:cNvPr id="13" name="Rectangle 12">
+            <a:extLst>
+              <a:ext uri="{FF2B5EF4-FFF2-40B4-BE49-F238E27FC236}">
+                <a16:creationId xmlns:a16="http://schemas.microsoft.com/office/drawing/2014/main" id="{5955A887-2E36-896E-3307-CC715FFA23F3}"/>
+              </a:ext>
+            </a:extLst>
+          </p:cNvPr>
+          <p:cNvSpPr/>
+          <p:nvPr/>
+        </p:nvSpPr>
+        <p:spPr>
+          <a:xfrm>
+            <a:off x="6324563" y="2414190"/>
+            <a:ext cx="333520" cy="522230"/>
+          </a:xfrm>
+          <a:prstGeom prst="rect">
+            <a:avLst/>
+          </a:prstGeom>
+          <a:solidFill>
+            <a:schemeClr val="bg1"/>
+          </a:solidFill>
+          <a:ln>
+            <a:solidFill>
+              <a:schemeClr val="bg1"/>
+            </a:solidFill>
+          </a:ln>
+        </p:spPr>
+        <p:style>
+          <a:lnRef idx="2">
+            <a:schemeClr val="accent1">
+              <a:shade val="50000"/>
+            </a:schemeClr>
+          </a:lnRef>
+          <a:fillRef idx="1">
+            <a:schemeClr val="accent1"/>
+          </a:fillRef>
+          <a:effectRef idx="0">
+            <a:schemeClr val="accent1"/>
+          </a:effectRef>
+          <a:fontRef idx="minor">
+            <a:schemeClr val="lt1"/>
+          </a:fontRef>
+        </p:style>
+        <p:txBody>
+          <a:bodyPr rtlCol="0" anchor="ctr"/>
+          <a:lstStyle/>
+          <a:p>
+            <a:pPr algn="ctr"/>
+            <a:endParaRPr lang="en-US"/>
+          </a:p>
+        </p:txBody>
+      </p:sp>
+      <p:sp>
+        <p:nvSpPr>
+          <p:cNvPr id="14" name="Rectangle 13">
+            <a:extLst>
+              <a:ext uri="{FF2B5EF4-FFF2-40B4-BE49-F238E27FC236}">
+                <a16:creationId xmlns:a16="http://schemas.microsoft.com/office/drawing/2014/main" id="{118E6A34-89F9-414F-05F4-5B5822FF0E4B}"/>
+              </a:ext>
+            </a:extLst>
+          </p:cNvPr>
+          <p:cNvSpPr/>
+          <p:nvPr/>
+        </p:nvSpPr>
+        <p:spPr>
+          <a:xfrm>
+            <a:off x="6324563" y="1767137"/>
+            <a:ext cx="333520" cy="522230"/>
+          </a:xfrm>
+          <a:prstGeom prst="rect">
+            <a:avLst/>
+          </a:prstGeom>
+          <a:solidFill>
+            <a:schemeClr val="bg1"/>
+          </a:solidFill>
+          <a:ln>
+            <a:solidFill>
+              <a:schemeClr val="bg1"/>
+            </a:solidFill>
+          </a:ln>
+        </p:spPr>
+        <p:style>
+          <a:lnRef idx="2">
+            <a:schemeClr val="accent1">
+              <a:shade val="50000"/>
+            </a:schemeClr>
+          </a:lnRef>
+          <a:fillRef idx="1">
+            <a:schemeClr val="accent1"/>
+          </a:fillRef>
+          <a:effectRef idx="0">
+            <a:schemeClr val="accent1"/>
+          </a:effectRef>
+          <a:fontRef idx="minor">
+            <a:schemeClr val="lt1"/>
+          </a:fontRef>
+        </p:style>
+        <p:txBody>
+          <a:bodyPr rtlCol="0" anchor="ctr"/>
+          <a:lstStyle/>
+          <a:p>
+            <a:pPr algn="ctr"/>
+            <a:endParaRPr lang="en-US"/>
+          </a:p>
+        </p:txBody>
+      </p:sp>
       <p:grpSp>
         <p:nvGrpSpPr>
-          <p:cNvPr id="33" name="Group 32">
-            <a:extLst>
-              <a:ext uri="{FF2B5EF4-FFF2-40B4-BE49-F238E27FC236}">
-                <a16:creationId xmlns:a16="http://schemas.microsoft.com/office/drawing/2014/main" id="{1E9A22A2-8776-6244-8E7D-436BDCC7CFF1}"/>
+          <p:cNvPr id="30" name="Group 29">
+            <a:extLst>
+              <a:ext uri="{FF2B5EF4-FFF2-40B4-BE49-F238E27FC236}">
+                <a16:creationId xmlns:a16="http://schemas.microsoft.com/office/drawing/2014/main" id="{DD4E1659-34E0-EB8A-8FC7-7AE83F2382DA}"/>
               </a:ext>
             </a:extLst>
           </p:cNvPr>
@@ -3420,18 +4740,64 @@
         </p:nvGrpSpPr>
         <p:grpSpPr>
           <a:xfrm>
-            <a:off x="2571750" y="532254"/>
-            <a:ext cx="333523" cy="1363221"/>
-            <a:chOff x="2571750" y="532254"/>
-            <a:chExt cx="333523" cy="1363221"/>
+            <a:off x="5313759" y="2427497"/>
+            <a:ext cx="569308" cy="1271008"/>
+            <a:chOff x="5313759" y="2427497"/>
+            <a:chExt cx="569308" cy="1271008"/>
           </a:xfrm>
         </p:grpSpPr>
+        <p:sp>
+          <p:nvSpPr>
+            <p:cNvPr id="19" name="Isosceles Triangle 18">
+              <a:extLst>
+                <a:ext uri="{FF2B5EF4-FFF2-40B4-BE49-F238E27FC236}">
+                  <a16:creationId xmlns:a16="http://schemas.microsoft.com/office/drawing/2014/main" id="{626BA235-5790-74E8-C7DA-8F98DC6D7C49}"/>
+                </a:ext>
+              </a:extLst>
+            </p:cNvPr>
+            <p:cNvSpPr/>
+            <p:nvPr/>
+          </p:nvSpPr>
+          <p:spPr>
+            <a:xfrm rot="16200000">
+              <a:off x="5210867" y="2543695"/>
+              <a:ext cx="775091" cy="569308"/>
+            </a:xfrm>
+            <a:prstGeom prst="triangle">
+              <a:avLst/>
+            </a:prstGeom>
+          </p:spPr>
+          <p:style>
+            <a:lnRef idx="2">
+              <a:schemeClr val="dk1">
+                <a:shade val="50000"/>
+              </a:schemeClr>
+            </a:lnRef>
+            <a:fillRef idx="1">
+              <a:schemeClr val="dk1"/>
+            </a:fillRef>
+            <a:effectRef idx="0">
+              <a:schemeClr val="dk1"/>
+            </a:effectRef>
+            <a:fontRef idx="minor">
+              <a:schemeClr val="lt1"/>
+            </a:fontRef>
+          </p:style>
+          <p:txBody>
+            <a:bodyPr rtlCol="0" anchor="ctr"/>
+            <a:lstStyle/>
+            <a:p>
+              <a:pPr algn="ctr"/>
+              <a:endParaRPr lang="en-US"/>
+            </a:p>
+          </p:txBody>
+        </p:sp>
         <p:cxnSp>
           <p:nvCxnSpPr>
-            <p:cNvPr id="27" name="Straight Connector 26">
+            <p:cNvPr id="22" name="Straight Connector 21">
               <a:extLst>
                 <a:ext uri="{FF2B5EF4-FFF2-40B4-BE49-F238E27FC236}">
-                  <a16:creationId xmlns:a16="http://schemas.microsoft.com/office/drawing/2014/main" id="{DA76C4EA-94A9-3A8F-CC66-6E55ECB3D3E7}"/>
+                  <a16:creationId xmlns:a16="http://schemas.microsoft.com/office/drawing/2014/main" id="{E92EC2BE-F0CE-B6C3-2879-4ECDDF05EDE4}"/>
                 </a:ext>
               </a:extLst>
             </p:cNvPr>
@@ -3442,13 +4808,13 @@
           </p:nvCxnSpPr>
           <p:spPr>
             <a:xfrm>
-              <a:off x="2905273" y="1438275"/>
-              <a:ext cx="0" cy="457200"/>
+              <a:off x="5417975" y="2427497"/>
+              <a:ext cx="0" cy="801706"/>
             </a:xfrm>
             <a:prstGeom prst="line">
               <a:avLst/>
             </a:prstGeom>
-            <a:ln w="85725">
+            <a:ln w="101600">
               <a:solidFill>
                 <a:schemeClr val="tx1"/>
               </a:solidFill>
@@ -3469,12 +4835,171 @@
             </a:fontRef>
           </p:style>
         </p:cxnSp>
+        <p:sp>
+          <p:nvSpPr>
+            <p:cNvPr id="24" name="Arrow: Notched Right 23">
+              <a:extLst>
+                <a:ext uri="{FF2B5EF4-FFF2-40B4-BE49-F238E27FC236}">
+                  <a16:creationId xmlns:a16="http://schemas.microsoft.com/office/drawing/2014/main" id="{22D450A1-B15B-BC31-B1F7-A155BCC6E929}"/>
+                </a:ext>
+              </a:extLst>
+            </p:cNvPr>
+            <p:cNvSpPr/>
+            <p:nvPr/>
+          </p:nvSpPr>
+          <p:spPr>
+            <a:xfrm rot="7610043">
+              <a:off x="5224538" y="3310382"/>
+              <a:ext cx="441251" cy="134917"/>
+            </a:xfrm>
+            <a:prstGeom prst="notchedRightArrow">
+              <a:avLst/>
+            </a:prstGeom>
+          </p:spPr>
+          <p:style>
+            <a:lnRef idx="2">
+              <a:schemeClr val="dk1">
+                <a:shade val="50000"/>
+              </a:schemeClr>
+            </a:lnRef>
+            <a:fillRef idx="1">
+              <a:schemeClr val="dk1"/>
+            </a:fillRef>
+            <a:effectRef idx="0">
+              <a:schemeClr val="dk1"/>
+            </a:effectRef>
+            <a:fontRef idx="minor">
+              <a:schemeClr val="lt1"/>
+            </a:fontRef>
+          </p:style>
+          <p:txBody>
+            <a:bodyPr rtlCol="0" anchor="ctr"/>
+            <a:lstStyle/>
+            <a:p>
+              <a:pPr algn="ctr"/>
+              <a:endParaRPr lang="en-US"/>
+            </a:p>
+          </p:txBody>
+        </p:sp>
+        <p:sp>
+          <p:nvSpPr>
+            <p:cNvPr id="25" name="Arrow: Notched Right 24">
+              <a:extLst>
+                <a:ext uri="{FF2B5EF4-FFF2-40B4-BE49-F238E27FC236}">
+                  <a16:creationId xmlns:a16="http://schemas.microsoft.com/office/drawing/2014/main" id="{FB6C8ACB-28B6-1EAE-26AB-34A242AC2717}"/>
+                </a:ext>
+              </a:extLst>
+            </p:cNvPr>
+            <p:cNvSpPr/>
+            <p:nvPr/>
+          </p:nvSpPr>
+          <p:spPr>
+            <a:xfrm rot="7610043">
+              <a:off x="5377787" y="3410421"/>
+              <a:ext cx="441251" cy="134917"/>
+            </a:xfrm>
+            <a:prstGeom prst="notchedRightArrow">
+              <a:avLst/>
+            </a:prstGeom>
+          </p:spPr>
+          <p:style>
+            <a:lnRef idx="2">
+              <a:schemeClr val="dk1">
+                <a:shade val="50000"/>
+              </a:schemeClr>
+            </a:lnRef>
+            <a:fillRef idx="1">
+              <a:schemeClr val="dk1"/>
+            </a:fillRef>
+            <a:effectRef idx="0">
+              <a:schemeClr val="dk1"/>
+            </a:effectRef>
+            <a:fontRef idx="minor">
+              <a:schemeClr val="lt1"/>
+            </a:fontRef>
+          </p:style>
+          <p:txBody>
+            <a:bodyPr rtlCol="0" anchor="ctr"/>
+            <a:lstStyle/>
+            <a:p>
+              <a:pPr algn="ctr"/>
+              <a:endParaRPr lang="en-US"/>
+            </a:p>
+          </p:txBody>
+        </p:sp>
+      </p:grpSp>
+      <p:grpSp>
+        <p:nvGrpSpPr>
+          <p:cNvPr id="31" name="Group 30">
+            <a:extLst>
+              <a:ext uri="{FF2B5EF4-FFF2-40B4-BE49-F238E27FC236}">
+                <a16:creationId xmlns:a16="http://schemas.microsoft.com/office/drawing/2014/main" id="{4C0F03E8-4CC8-EB71-1E72-09C1415B9C15}"/>
+              </a:ext>
+            </a:extLst>
+          </p:cNvPr>
+          <p:cNvGrpSpPr/>
+          <p:nvPr/>
+        </p:nvGrpSpPr>
+        <p:grpSpPr>
+          <a:xfrm rot="10800000">
+            <a:off x="5377997" y="959607"/>
+            <a:ext cx="569308" cy="1271008"/>
+            <a:chOff x="5313759" y="2427497"/>
+            <a:chExt cx="569308" cy="1271008"/>
+          </a:xfrm>
+        </p:grpSpPr>
+        <p:sp>
+          <p:nvSpPr>
+            <p:cNvPr id="32" name="Isosceles Triangle 31">
+              <a:extLst>
+                <a:ext uri="{FF2B5EF4-FFF2-40B4-BE49-F238E27FC236}">
+                  <a16:creationId xmlns:a16="http://schemas.microsoft.com/office/drawing/2014/main" id="{3A238641-43CC-39FB-5419-D408EA359B1A}"/>
+                </a:ext>
+              </a:extLst>
+            </p:cNvPr>
+            <p:cNvSpPr/>
+            <p:nvPr/>
+          </p:nvSpPr>
+          <p:spPr>
+            <a:xfrm rot="16200000">
+              <a:off x="5210867" y="2543695"/>
+              <a:ext cx="775091" cy="569308"/>
+            </a:xfrm>
+            <a:prstGeom prst="triangle">
+              <a:avLst/>
+            </a:prstGeom>
+          </p:spPr>
+          <p:style>
+            <a:lnRef idx="2">
+              <a:schemeClr val="dk1">
+                <a:shade val="50000"/>
+              </a:schemeClr>
+            </a:lnRef>
+            <a:fillRef idx="1">
+              <a:schemeClr val="dk1"/>
+            </a:fillRef>
+            <a:effectRef idx="0">
+              <a:schemeClr val="dk1"/>
+            </a:effectRef>
+            <a:fontRef idx="minor">
+              <a:schemeClr val="lt1"/>
+            </a:fontRef>
+          </p:style>
+          <p:txBody>
+            <a:bodyPr rtlCol="0" anchor="ctr"/>
+            <a:lstStyle/>
+            <a:p>
+              <a:pPr algn="ctr"/>
+              <a:endParaRPr lang="en-US"/>
+            </a:p>
+          </p:txBody>
+        </p:sp>
         <p:cxnSp>
           <p:nvCxnSpPr>
-            <p:cNvPr id="26" name="Straight Connector 25">
+            <p:cNvPr id="49" name="Straight Connector 48">
               <a:extLst>
                 <a:ext uri="{FF2B5EF4-FFF2-40B4-BE49-F238E27FC236}">
-                  <a16:creationId xmlns:a16="http://schemas.microsoft.com/office/drawing/2014/main" id="{46894373-7728-E3DA-77E8-380463D28D72}"/>
+                  <a16:creationId xmlns:a16="http://schemas.microsoft.com/office/drawing/2014/main" id="{7ED82507-7D18-3E9F-A6A2-96F7CB22F8BC}"/>
                 </a:ext>
               </a:extLst>
             </p:cNvPr>
@@ -3485,56 +5010,13 @@
           </p:nvCxnSpPr>
           <p:spPr>
             <a:xfrm>
-              <a:off x="2905273" y="532254"/>
-              <a:ext cx="0" cy="457200"/>
+              <a:off x="5417975" y="2427497"/>
+              <a:ext cx="0" cy="801706"/>
             </a:xfrm>
             <a:prstGeom prst="line">
               <a:avLst/>
             </a:prstGeom>
-            <a:ln w="85725">
-              <a:solidFill>
-                <a:srgbClr val="FF0000"/>
-              </a:solidFill>
-            </a:ln>
-          </p:spPr>
-          <p:style>
-            <a:lnRef idx="1">
-              <a:schemeClr val="accent1"/>
-            </a:lnRef>
-            <a:fillRef idx="0">
-              <a:schemeClr val="accent1"/>
-            </a:fillRef>
-            <a:effectRef idx="0">
-              <a:schemeClr val="accent1"/>
-            </a:effectRef>
-            <a:fontRef idx="minor">
-              <a:schemeClr val="tx1"/>
-            </a:fontRef>
-          </p:style>
-        </p:cxnSp>
-        <p:cxnSp>
-          <p:nvCxnSpPr>
-            <p:cNvPr id="29" name="Straight Connector 28">
-              <a:extLst>
-                <a:ext uri="{FF2B5EF4-FFF2-40B4-BE49-F238E27FC236}">
-                  <a16:creationId xmlns:a16="http://schemas.microsoft.com/office/drawing/2014/main" id="{9325E7C4-8F35-7B2B-31D9-00A846395C09}"/>
-                </a:ext>
-              </a:extLst>
-            </p:cNvPr>
-            <p:cNvCxnSpPr>
-              <a:cxnSpLocks/>
-            </p:cNvCxnSpPr>
-            <p:nvPr/>
-          </p:nvCxnSpPr>
-          <p:spPr>
-            <a:xfrm>
-              <a:off x="2571750" y="989454"/>
-              <a:ext cx="333523" cy="448821"/>
-            </a:xfrm>
-            <a:prstGeom prst="line">
-              <a:avLst/>
-            </a:prstGeom>
-            <a:ln w="85725">
+            <a:ln w="101600">
               <a:solidFill>
                 <a:schemeClr val="tx1"/>
               </a:solidFill>
@@ -3555,1011 +5037,99 @@
             </a:fontRef>
           </p:style>
         </p:cxnSp>
-      </p:grpSp>
-      <p:grpSp>
-        <p:nvGrpSpPr>
-          <p:cNvPr id="34" name="Group 33">
-            <a:extLst>
-              <a:ext uri="{FF2B5EF4-FFF2-40B4-BE49-F238E27FC236}">
-                <a16:creationId xmlns:a16="http://schemas.microsoft.com/office/drawing/2014/main" id="{DA3120BF-6C34-EDBA-2331-1C077DC6099F}"/>
-              </a:ext>
-            </a:extLst>
-          </p:cNvPr>
-          <p:cNvGrpSpPr/>
-          <p:nvPr/>
-        </p:nvGrpSpPr>
-        <p:grpSpPr>
-          <a:xfrm>
-            <a:off x="2571750" y="2344296"/>
-            <a:ext cx="333523" cy="1363221"/>
-            <a:chOff x="2571750" y="532254"/>
-            <a:chExt cx="333523" cy="1363221"/>
-          </a:xfrm>
-        </p:grpSpPr>
-        <p:cxnSp>
-          <p:nvCxnSpPr>
-            <p:cNvPr id="35" name="Straight Connector 34">
+        <p:sp>
+          <p:nvSpPr>
+            <p:cNvPr id="50" name="Arrow: Notched Right 49">
               <a:extLst>
                 <a:ext uri="{FF2B5EF4-FFF2-40B4-BE49-F238E27FC236}">
-                  <a16:creationId xmlns:a16="http://schemas.microsoft.com/office/drawing/2014/main" id="{70C66DF2-F635-2F8D-9C91-127FB28856BD}"/>
+                  <a16:creationId xmlns:a16="http://schemas.microsoft.com/office/drawing/2014/main" id="{FDBA908A-6E02-AB58-A564-C2671DAF59F6}"/>
                 </a:ext>
               </a:extLst>
             </p:cNvPr>
-            <p:cNvCxnSpPr>
-              <a:cxnSpLocks/>
-            </p:cNvCxnSpPr>
+            <p:cNvSpPr/>
             <p:nvPr/>
-          </p:nvCxnSpPr>
+          </p:nvSpPr>
           <p:spPr>
-            <a:xfrm>
-              <a:off x="2905273" y="1438275"/>
-              <a:ext cx="0" cy="457200"/>
+            <a:xfrm rot="7610043">
+              <a:off x="5224538" y="3310382"/>
+              <a:ext cx="441251" cy="134917"/>
             </a:xfrm>
-            <a:prstGeom prst="line">
+            <a:prstGeom prst="notchedRightArrow">
               <a:avLst/>
             </a:prstGeom>
-            <a:ln w="85725">
-              <a:solidFill>
-                <a:schemeClr val="tx1"/>
-              </a:solidFill>
-            </a:ln>
           </p:spPr>
           <p:style>
-            <a:lnRef idx="1">
-              <a:schemeClr val="accent1"/>
+            <a:lnRef idx="2">
+              <a:schemeClr val="dk1">
+                <a:shade val="50000"/>
+              </a:schemeClr>
             </a:lnRef>
-            <a:fillRef idx="0">
-              <a:schemeClr val="accent1"/>
+            <a:fillRef idx="1">
+              <a:schemeClr val="dk1"/>
             </a:fillRef>
             <a:effectRef idx="0">
-              <a:schemeClr val="accent1"/>
+              <a:schemeClr val="dk1"/>
             </a:effectRef>
             <a:fontRef idx="minor">
-              <a:schemeClr val="tx1"/>
+              <a:schemeClr val="lt1"/>
             </a:fontRef>
           </p:style>
-        </p:cxnSp>
-        <p:cxnSp>
-          <p:nvCxnSpPr>
-            <p:cNvPr id="36" name="Straight Connector 35">
+          <p:txBody>
+            <a:bodyPr rtlCol="0" anchor="ctr"/>
+            <a:lstStyle/>
+            <a:p>
+              <a:pPr algn="ctr"/>
+              <a:endParaRPr lang="en-US"/>
+            </a:p>
+          </p:txBody>
+        </p:sp>
+        <p:sp>
+          <p:nvSpPr>
+            <p:cNvPr id="53" name="Arrow: Notched Right 52">
               <a:extLst>
                 <a:ext uri="{FF2B5EF4-FFF2-40B4-BE49-F238E27FC236}">
-                  <a16:creationId xmlns:a16="http://schemas.microsoft.com/office/drawing/2014/main" id="{0F6D1764-012A-AFCE-E695-A5F5B2290F4B}"/>
+                  <a16:creationId xmlns:a16="http://schemas.microsoft.com/office/drawing/2014/main" id="{E25C0CA7-2DFC-B96D-7CB7-294088AF9A75}"/>
                 </a:ext>
               </a:extLst>
             </p:cNvPr>
-            <p:cNvCxnSpPr>
-              <a:cxnSpLocks/>
-            </p:cNvCxnSpPr>
+            <p:cNvSpPr/>
             <p:nvPr/>
-          </p:nvCxnSpPr>
+          </p:nvSpPr>
           <p:spPr>
-            <a:xfrm>
-              <a:off x="2905273" y="532254"/>
-              <a:ext cx="0" cy="457200"/>
+            <a:xfrm rot="7610043">
+              <a:off x="5377787" y="3410421"/>
+              <a:ext cx="441251" cy="134917"/>
             </a:xfrm>
-            <a:prstGeom prst="line">
+            <a:prstGeom prst="notchedRightArrow">
               <a:avLst/>
             </a:prstGeom>
-            <a:ln w="85725">
-              <a:solidFill>
-                <a:schemeClr val="tx1"/>
-              </a:solidFill>
-            </a:ln>
           </p:spPr>
           <p:style>
-            <a:lnRef idx="1">
-              <a:schemeClr val="accent1"/>
+            <a:lnRef idx="2">
+              <a:schemeClr val="dk1">
+                <a:shade val="50000"/>
+              </a:schemeClr>
             </a:lnRef>
-            <a:fillRef idx="0">
-              <a:schemeClr val="accent1"/>
+            <a:fillRef idx="1">
+              <a:schemeClr val="dk1"/>
             </a:fillRef>
             <a:effectRef idx="0">
-              <a:schemeClr val="accent1"/>
+              <a:schemeClr val="dk1"/>
             </a:effectRef>
             <a:fontRef idx="minor">
-              <a:schemeClr val="tx1"/>
+              <a:schemeClr val="lt1"/>
             </a:fontRef>
           </p:style>
-        </p:cxnSp>
-        <p:cxnSp>
-          <p:nvCxnSpPr>
-            <p:cNvPr id="37" name="Straight Connector 36">
-              <a:extLst>
-                <a:ext uri="{FF2B5EF4-FFF2-40B4-BE49-F238E27FC236}">
-                  <a16:creationId xmlns:a16="http://schemas.microsoft.com/office/drawing/2014/main" id="{171D98D9-A7EC-AAE0-F6D7-6E12008B151A}"/>
-                </a:ext>
-              </a:extLst>
-            </p:cNvPr>
-            <p:cNvCxnSpPr>
-              <a:cxnSpLocks/>
-            </p:cNvCxnSpPr>
-            <p:nvPr/>
-          </p:nvCxnSpPr>
-          <p:spPr>
-            <a:xfrm>
-              <a:off x="2571750" y="989454"/>
-              <a:ext cx="333523" cy="448821"/>
-            </a:xfrm>
-            <a:prstGeom prst="line">
-              <a:avLst/>
-            </a:prstGeom>
-            <a:ln w="85725">
-              <a:solidFill>
-                <a:schemeClr val="tx1"/>
-              </a:solidFill>
-            </a:ln>
-          </p:spPr>
-          <p:style>
-            <a:lnRef idx="1">
-              <a:schemeClr val="accent1"/>
-            </a:lnRef>
-            <a:fillRef idx="0">
-              <a:schemeClr val="accent1"/>
-            </a:fillRef>
-            <a:effectRef idx="0">
-              <a:schemeClr val="accent1"/>
-            </a:effectRef>
-            <a:fontRef idx="minor">
-              <a:schemeClr val="tx1"/>
-            </a:fontRef>
-          </p:style>
-        </p:cxnSp>
+          <p:txBody>
+            <a:bodyPr rtlCol="0" anchor="ctr"/>
+            <a:lstStyle/>
+            <a:p>
+              <a:pPr algn="ctr"/>
+              <a:endParaRPr lang="en-US"/>
+            </a:p>
+          </p:txBody>
+        </p:sp>
       </p:grpSp>
-      <p:grpSp>
-        <p:nvGrpSpPr>
-          <p:cNvPr id="38" name="Group 37">
-            <a:extLst>
-              <a:ext uri="{FF2B5EF4-FFF2-40B4-BE49-F238E27FC236}">
-                <a16:creationId xmlns:a16="http://schemas.microsoft.com/office/drawing/2014/main" id="{062B7A11-1333-1407-4975-27A58594CF27}"/>
-              </a:ext>
-            </a:extLst>
-          </p:cNvPr>
-          <p:cNvGrpSpPr/>
-          <p:nvPr/>
-        </p:nvGrpSpPr>
-        <p:grpSpPr>
-          <a:xfrm>
-            <a:off x="8086505" y="532254"/>
-            <a:ext cx="333523" cy="1363221"/>
-            <a:chOff x="2571750" y="532254"/>
-            <a:chExt cx="333523" cy="1363221"/>
-          </a:xfrm>
-        </p:grpSpPr>
-        <p:cxnSp>
-          <p:nvCxnSpPr>
-            <p:cNvPr id="39" name="Straight Connector 38">
-              <a:extLst>
-                <a:ext uri="{FF2B5EF4-FFF2-40B4-BE49-F238E27FC236}">
-                  <a16:creationId xmlns:a16="http://schemas.microsoft.com/office/drawing/2014/main" id="{65553531-4D31-7F6B-BCB9-4D3AFECFB5A7}"/>
-                </a:ext>
-              </a:extLst>
-            </p:cNvPr>
-            <p:cNvCxnSpPr>
-              <a:cxnSpLocks/>
-            </p:cNvCxnSpPr>
-            <p:nvPr/>
-          </p:nvCxnSpPr>
-          <p:spPr>
-            <a:xfrm>
-              <a:off x="2905273" y="1438275"/>
-              <a:ext cx="0" cy="457200"/>
-            </a:xfrm>
-            <a:prstGeom prst="line">
-              <a:avLst/>
-            </a:prstGeom>
-            <a:ln w="85725">
-              <a:solidFill>
-                <a:schemeClr val="tx1"/>
-              </a:solidFill>
-            </a:ln>
-          </p:spPr>
-          <p:style>
-            <a:lnRef idx="1">
-              <a:schemeClr val="accent1"/>
-            </a:lnRef>
-            <a:fillRef idx="0">
-              <a:schemeClr val="accent1"/>
-            </a:fillRef>
-            <a:effectRef idx="0">
-              <a:schemeClr val="accent1"/>
-            </a:effectRef>
-            <a:fontRef idx="minor">
-              <a:schemeClr val="tx1"/>
-            </a:fontRef>
-          </p:style>
-        </p:cxnSp>
-        <p:cxnSp>
-          <p:nvCxnSpPr>
-            <p:cNvPr id="40" name="Straight Connector 39">
-              <a:extLst>
-                <a:ext uri="{FF2B5EF4-FFF2-40B4-BE49-F238E27FC236}">
-                  <a16:creationId xmlns:a16="http://schemas.microsoft.com/office/drawing/2014/main" id="{D56BEE89-1CEC-2361-065D-21D8F5687C34}"/>
-                </a:ext>
-              </a:extLst>
-            </p:cNvPr>
-            <p:cNvCxnSpPr>
-              <a:cxnSpLocks/>
-            </p:cNvCxnSpPr>
-            <p:nvPr/>
-          </p:nvCxnSpPr>
-          <p:spPr>
-            <a:xfrm>
-              <a:off x="2905273" y="532254"/>
-              <a:ext cx="0" cy="457200"/>
-            </a:xfrm>
-            <a:prstGeom prst="line">
-              <a:avLst/>
-            </a:prstGeom>
-            <a:ln w="85725">
-              <a:solidFill>
-                <a:srgbClr val="FF0000"/>
-              </a:solidFill>
-            </a:ln>
-          </p:spPr>
-          <p:style>
-            <a:lnRef idx="1">
-              <a:schemeClr val="accent1"/>
-            </a:lnRef>
-            <a:fillRef idx="0">
-              <a:schemeClr val="accent1"/>
-            </a:fillRef>
-            <a:effectRef idx="0">
-              <a:schemeClr val="accent1"/>
-            </a:effectRef>
-            <a:fontRef idx="minor">
-              <a:schemeClr val="tx1"/>
-            </a:fontRef>
-          </p:style>
-        </p:cxnSp>
-        <p:cxnSp>
-          <p:nvCxnSpPr>
-            <p:cNvPr id="41" name="Straight Connector 40">
-              <a:extLst>
-                <a:ext uri="{FF2B5EF4-FFF2-40B4-BE49-F238E27FC236}">
-                  <a16:creationId xmlns:a16="http://schemas.microsoft.com/office/drawing/2014/main" id="{86DD61BF-6E08-0005-A355-B2E6A22AA8D9}"/>
-                </a:ext>
-              </a:extLst>
-            </p:cNvPr>
-            <p:cNvCxnSpPr>
-              <a:cxnSpLocks/>
-            </p:cNvCxnSpPr>
-            <p:nvPr/>
-          </p:nvCxnSpPr>
-          <p:spPr>
-            <a:xfrm>
-              <a:off x="2571750" y="989454"/>
-              <a:ext cx="333523" cy="448821"/>
-            </a:xfrm>
-            <a:prstGeom prst="line">
-              <a:avLst/>
-            </a:prstGeom>
-            <a:ln w="85725">
-              <a:solidFill>
-                <a:schemeClr val="tx1"/>
-              </a:solidFill>
-            </a:ln>
-          </p:spPr>
-          <p:style>
-            <a:lnRef idx="1">
-              <a:schemeClr val="accent1"/>
-            </a:lnRef>
-            <a:fillRef idx="0">
-              <a:schemeClr val="accent1"/>
-            </a:fillRef>
-            <a:effectRef idx="0">
-              <a:schemeClr val="accent1"/>
-            </a:effectRef>
-            <a:fontRef idx="minor">
-              <a:schemeClr val="tx1"/>
-            </a:fontRef>
-          </p:style>
-        </p:cxnSp>
-      </p:grpSp>
-      <p:grpSp>
-        <p:nvGrpSpPr>
-          <p:cNvPr id="42" name="Group 41">
-            <a:extLst>
-              <a:ext uri="{FF2B5EF4-FFF2-40B4-BE49-F238E27FC236}">
-                <a16:creationId xmlns:a16="http://schemas.microsoft.com/office/drawing/2014/main" id="{D544D124-F097-D337-3FD2-DD121D26B49E}"/>
-              </a:ext>
-            </a:extLst>
-          </p:cNvPr>
-          <p:cNvGrpSpPr/>
-          <p:nvPr/>
-        </p:nvGrpSpPr>
-        <p:grpSpPr>
-          <a:xfrm>
-            <a:off x="8086505" y="2344296"/>
-            <a:ext cx="333523" cy="1363221"/>
-            <a:chOff x="2571750" y="532254"/>
-            <a:chExt cx="333523" cy="1363221"/>
-          </a:xfrm>
-        </p:grpSpPr>
-        <p:cxnSp>
-          <p:nvCxnSpPr>
-            <p:cNvPr id="43" name="Straight Connector 42">
-              <a:extLst>
-                <a:ext uri="{FF2B5EF4-FFF2-40B4-BE49-F238E27FC236}">
-                  <a16:creationId xmlns:a16="http://schemas.microsoft.com/office/drawing/2014/main" id="{78F9F372-A32B-145A-097F-5859F8057658}"/>
-                </a:ext>
-              </a:extLst>
-            </p:cNvPr>
-            <p:cNvCxnSpPr>
-              <a:cxnSpLocks/>
-            </p:cNvCxnSpPr>
-            <p:nvPr/>
-          </p:nvCxnSpPr>
-          <p:spPr>
-            <a:xfrm>
-              <a:off x="2905273" y="1438275"/>
-              <a:ext cx="0" cy="457200"/>
-            </a:xfrm>
-            <a:prstGeom prst="line">
-              <a:avLst/>
-            </a:prstGeom>
-            <a:ln w="85725">
-              <a:solidFill>
-                <a:schemeClr val="tx1"/>
-              </a:solidFill>
-            </a:ln>
-          </p:spPr>
-          <p:style>
-            <a:lnRef idx="1">
-              <a:schemeClr val="accent1"/>
-            </a:lnRef>
-            <a:fillRef idx="0">
-              <a:schemeClr val="accent1"/>
-            </a:fillRef>
-            <a:effectRef idx="0">
-              <a:schemeClr val="accent1"/>
-            </a:effectRef>
-            <a:fontRef idx="minor">
-              <a:schemeClr val="tx1"/>
-            </a:fontRef>
-          </p:style>
-        </p:cxnSp>
-        <p:cxnSp>
-          <p:nvCxnSpPr>
-            <p:cNvPr id="44" name="Straight Connector 43">
-              <a:extLst>
-                <a:ext uri="{FF2B5EF4-FFF2-40B4-BE49-F238E27FC236}">
-                  <a16:creationId xmlns:a16="http://schemas.microsoft.com/office/drawing/2014/main" id="{2F558667-54C4-2557-CE51-4D757D99C1A6}"/>
-                </a:ext>
-              </a:extLst>
-            </p:cNvPr>
-            <p:cNvCxnSpPr>
-              <a:cxnSpLocks/>
-            </p:cNvCxnSpPr>
-            <p:nvPr/>
-          </p:nvCxnSpPr>
-          <p:spPr>
-            <a:xfrm>
-              <a:off x="2905273" y="532254"/>
-              <a:ext cx="0" cy="457200"/>
-            </a:xfrm>
-            <a:prstGeom prst="line">
-              <a:avLst/>
-            </a:prstGeom>
-            <a:ln w="85725">
-              <a:solidFill>
-                <a:schemeClr val="tx1"/>
-              </a:solidFill>
-            </a:ln>
-          </p:spPr>
-          <p:style>
-            <a:lnRef idx="1">
-              <a:schemeClr val="accent1"/>
-            </a:lnRef>
-            <a:fillRef idx="0">
-              <a:schemeClr val="accent1"/>
-            </a:fillRef>
-            <a:effectRef idx="0">
-              <a:schemeClr val="accent1"/>
-            </a:effectRef>
-            <a:fontRef idx="minor">
-              <a:schemeClr val="tx1"/>
-            </a:fontRef>
-          </p:style>
-        </p:cxnSp>
-        <p:cxnSp>
-          <p:nvCxnSpPr>
-            <p:cNvPr id="45" name="Straight Connector 44">
-              <a:extLst>
-                <a:ext uri="{FF2B5EF4-FFF2-40B4-BE49-F238E27FC236}">
-                  <a16:creationId xmlns:a16="http://schemas.microsoft.com/office/drawing/2014/main" id="{41A271CD-73D7-2DAE-58BE-947D6552B9D9}"/>
-                </a:ext>
-              </a:extLst>
-            </p:cNvPr>
-            <p:cNvCxnSpPr>
-              <a:cxnSpLocks/>
-            </p:cNvCxnSpPr>
-            <p:nvPr/>
-          </p:nvCxnSpPr>
-          <p:spPr>
-            <a:xfrm>
-              <a:off x="2571750" y="989454"/>
-              <a:ext cx="333523" cy="448821"/>
-            </a:xfrm>
-            <a:prstGeom prst="line">
-              <a:avLst/>
-            </a:prstGeom>
-            <a:ln w="85725">
-              <a:solidFill>
-                <a:schemeClr val="tx1"/>
-              </a:solidFill>
-            </a:ln>
-          </p:spPr>
-          <p:style>
-            <a:lnRef idx="1">
-              <a:schemeClr val="accent1"/>
-            </a:lnRef>
-            <a:fillRef idx="0">
-              <a:schemeClr val="accent1"/>
-            </a:fillRef>
-            <a:effectRef idx="0">
-              <a:schemeClr val="accent1"/>
-            </a:effectRef>
-            <a:fontRef idx="minor">
-              <a:schemeClr val="tx1"/>
-            </a:fontRef>
-          </p:style>
-        </p:cxnSp>
-      </p:grpSp>
-      <p:cxnSp>
-        <p:nvCxnSpPr>
-          <p:cNvPr id="46" name="Straight Connector 45">
-            <a:extLst>
-              <a:ext uri="{FF2B5EF4-FFF2-40B4-BE49-F238E27FC236}">
-                <a16:creationId xmlns:a16="http://schemas.microsoft.com/office/drawing/2014/main" id="{E839280C-8B3E-1F92-8815-9CC4A030FC4D}"/>
-              </a:ext>
-            </a:extLst>
-          </p:cNvPr>
-          <p:cNvCxnSpPr>
-            <a:cxnSpLocks/>
-          </p:cNvCxnSpPr>
-          <p:nvPr/>
-        </p:nvCxnSpPr>
-        <p:spPr>
-          <a:xfrm>
-            <a:off x="2905273" y="1895475"/>
-            <a:ext cx="0" cy="457200"/>
-          </a:xfrm>
-          <a:prstGeom prst="line">
-            <a:avLst/>
-          </a:prstGeom>
-          <a:ln w="85725">
-            <a:solidFill>
-              <a:schemeClr val="tx1"/>
-            </a:solidFill>
-          </a:ln>
-        </p:spPr>
-        <p:style>
-          <a:lnRef idx="1">
-            <a:schemeClr val="accent1"/>
-          </a:lnRef>
-          <a:fillRef idx="0">
-            <a:schemeClr val="accent1"/>
-          </a:fillRef>
-          <a:effectRef idx="0">
-            <a:schemeClr val="accent1"/>
-          </a:effectRef>
-          <a:fontRef idx="minor">
-            <a:schemeClr val="tx1"/>
-          </a:fontRef>
-        </p:style>
-      </p:cxnSp>
-      <p:cxnSp>
-        <p:nvCxnSpPr>
-          <p:cNvPr id="47" name="Straight Connector 46">
-            <a:extLst>
-              <a:ext uri="{FF2B5EF4-FFF2-40B4-BE49-F238E27FC236}">
-                <a16:creationId xmlns:a16="http://schemas.microsoft.com/office/drawing/2014/main" id="{5FD633CD-DDB6-C1D9-9E08-59B852EC3346}"/>
-              </a:ext>
-            </a:extLst>
-          </p:cNvPr>
-          <p:cNvCxnSpPr>
-            <a:cxnSpLocks/>
-          </p:cNvCxnSpPr>
-          <p:nvPr/>
-        </p:nvCxnSpPr>
-        <p:spPr>
-          <a:xfrm>
-            <a:off x="8420028" y="1895475"/>
-            <a:ext cx="0" cy="457200"/>
-          </a:xfrm>
-          <a:prstGeom prst="line">
-            <a:avLst/>
-          </a:prstGeom>
-          <a:ln w="85725">
-            <a:solidFill>
-              <a:schemeClr val="tx1"/>
-            </a:solidFill>
-          </a:ln>
-        </p:spPr>
-        <p:style>
-          <a:lnRef idx="1">
-            <a:schemeClr val="accent1"/>
-          </a:lnRef>
-          <a:fillRef idx="0">
-            <a:schemeClr val="accent1"/>
-          </a:fillRef>
-          <a:effectRef idx="0">
-            <a:schemeClr val="accent1"/>
-          </a:effectRef>
-          <a:fontRef idx="minor">
-            <a:schemeClr val="tx1"/>
-          </a:fontRef>
-        </p:style>
-      </p:cxnSp>
-      <p:cxnSp>
-        <p:nvCxnSpPr>
-          <p:cNvPr id="48" name="Straight Connector 47">
-            <a:extLst>
-              <a:ext uri="{FF2B5EF4-FFF2-40B4-BE49-F238E27FC236}">
-                <a16:creationId xmlns:a16="http://schemas.microsoft.com/office/drawing/2014/main" id="{3DF3FC3E-68DC-5B69-AFA8-AB9ECBCF39D2}"/>
-              </a:ext>
-            </a:extLst>
-          </p:cNvPr>
-          <p:cNvCxnSpPr>
-            <a:cxnSpLocks/>
-          </p:cNvCxnSpPr>
-          <p:nvPr/>
-        </p:nvCxnSpPr>
-        <p:spPr>
-          <a:xfrm>
-            <a:off x="2905273" y="2344296"/>
-            <a:ext cx="1457177" cy="8379"/>
-          </a:xfrm>
-          <a:prstGeom prst="line">
-            <a:avLst/>
-          </a:prstGeom>
-          <a:ln w="85725">
-            <a:solidFill>
-              <a:schemeClr val="tx1"/>
-            </a:solidFill>
-          </a:ln>
-        </p:spPr>
-        <p:style>
-          <a:lnRef idx="1">
-            <a:schemeClr val="accent1"/>
-          </a:lnRef>
-          <a:fillRef idx="0">
-            <a:schemeClr val="accent1"/>
-          </a:fillRef>
-          <a:effectRef idx="0">
-            <a:schemeClr val="accent1"/>
-          </a:effectRef>
-          <a:fontRef idx="minor">
-            <a:schemeClr val="tx1"/>
-          </a:fontRef>
-        </p:style>
-      </p:cxnSp>
-      <p:cxnSp>
-        <p:nvCxnSpPr>
-          <p:cNvPr id="51" name="Straight Connector 50">
-            <a:extLst>
-              <a:ext uri="{FF2B5EF4-FFF2-40B4-BE49-F238E27FC236}">
-                <a16:creationId xmlns:a16="http://schemas.microsoft.com/office/drawing/2014/main" id="{4117594A-3918-D39A-35DB-151DB8054C72}"/>
-              </a:ext>
-            </a:extLst>
-          </p:cNvPr>
-          <p:cNvCxnSpPr>
-            <a:cxnSpLocks/>
-          </p:cNvCxnSpPr>
-          <p:nvPr/>
-        </p:nvCxnSpPr>
-        <p:spPr>
-          <a:xfrm>
-            <a:off x="6962851" y="2344296"/>
-            <a:ext cx="1457177" cy="8379"/>
-          </a:xfrm>
-          <a:prstGeom prst="line">
-            <a:avLst/>
-          </a:prstGeom>
-          <a:ln w="85725">
-            <a:solidFill>
-              <a:schemeClr val="tx1"/>
-            </a:solidFill>
-          </a:ln>
-        </p:spPr>
-        <p:style>
-          <a:lnRef idx="1">
-            <a:schemeClr val="accent1"/>
-          </a:lnRef>
-          <a:fillRef idx="0">
-            <a:schemeClr val="accent1"/>
-          </a:fillRef>
-          <a:effectRef idx="0">
-            <a:schemeClr val="accent1"/>
-          </a:effectRef>
-          <a:fontRef idx="minor">
-            <a:schemeClr val="tx1"/>
-          </a:fontRef>
-        </p:style>
-      </p:cxnSp>
-      <p:cxnSp>
-        <p:nvCxnSpPr>
-          <p:cNvPr id="52" name="Straight Connector 51">
-            <a:extLst>
-              <a:ext uri="{FF2B5EF4-FFF2-40B4-BE49-F238E27FC236}">
-                <a16:creationId xmlns:a16="http://schemas.microsoft.com/office/drawing/2014/main" id="{6AC83B3D-DAFB-4435-9D6D-CD9E4F01802B}"/>
-              </a:ext>
-            </a:extLst>
-          </p:cNvPr>
-          <p:cNvCxnSpPr>
-            <a:cxnSpLocks/>
-          </p:cNvCxnSpPr>
-          <p:nvPr/>
-        </p:nvCxnSpPr>
-        <p:spPr>
-          <a:xfrm flipV="1">
-            <a:off x="1419225" y="532254"/>
-            <a:ext cx="8439150" cy="8379"/>
-          </a:xfrm>
-          <a:prstGeom prst="line">
-            <a:avLst/>
-          </a:prstGeom>
-          <a:ln w="31750">
-            <a:solidFill>
-              <a:srgbClr val="FF0000"/>
-            </a:solidFill>
-          </a:ln>
-        </p:spPr>
-        <p:style>
-          <a:lnRef idx="1">
-            <a:schemeClr val="accent1"/>
-          </a:lnRef>
-          <a:fillRef idx="0">
-            <a:schemeClr val="accent1"/>
-          </a:fillRef>
-          <a:effectRef idx="0">
-            <a:schemeClr val="accent1"/>
-          </a:effectRef>
-          <a:fontRef idx="minor">
-            <a:schemeClr val="tx1"/>
-          </a:fontRef>
-        </p:style>
-      </p:cxnSp>
-      <p:cxnSp>
-        <p:nvCxnSpPr>
-          <p:cNvPr id="55" name="Straight Connector 54">
-            <a:extLst>
-              <a:ext uri="{FF2B5EF4-FFF2-40B4-BE49-F238E27FC236}">
-                <a16:creationId xmlns:a16="http://schemas.microsoft.com/office/drawing/2014/main" id="{BCA39DB6-9B9A-86A0-7C95-A413F1FE179C}"/>
-              </a:ext>
-            </a:extLst>
-          </p:cNvPr>
-          <p:cNvCxnSpPr>
-            <a:cxnSpLocks/>
-          </p:cNvCxnSpPr>
-          <p:nvPr/>
-        </p:nvCxnSpPr>
-        <p:spPr>
-          <a:xfrm flipV="1">
-            <a:off x="1419225" y="4000501"/>
-            <a:ext cx="8439150" cy="8379"/>
-          </a:xfrm>
-          <a:prstGeom prst="line">
-            <a:avLst/>
-          </a:prstGeom>
-          <a:ln w="31750">
-            <a:solidFill>
-              <a:schemeClr val="tx1"/>
-            </a:solidFill>
-          </a:ln>
-        </p:spPr>
-        <p:style>
-          <a:lnRef idx="1">
-            <a:schemeClr val="accent1"/>
-          </a:lnRef>
-          <a:fillRef idx="0">
-            <a:schemeClr val="accent1"/>
-          </a:fillRef>
-          <a:effectRef idx="0">
-            <a:schemeClr val="accent1"/>
-          </a:effectRef>
-          <a:fontRef idx="minor">
-            <a:schemeClr val="tx1"/>
-          </a:fontRef>
-        </p:style>
-      </p:cxnSp>
-      <p:cxnSp>
-        <p:nvCxnSpPr>
-          <p:cNvPr id="56" name="Straight Connector 55">
-            <a:extLst>
-              <a:ext uri="{FF2B5EF4-FFF2-40B4-BE49-F238E27FC236}">
-                <a16:creationId xmlns:a16="http://schemas.microsoft.com/office/drawing/2014/main" id="{AB0A91DB-1E34-443C-AE6B-322978730AFC}"/>
-              </a:ext>
-            </a:extLst>
-          </p:cNvPr>
-          <p:cNvCxnSpPr>
-            <a:cxnSpLocks/>
-          </p:cNvCxnSpPr>
-          <p:nvPr/>
-        </p:nvCxnSpPr>
-        <p:spPr>
-          <a:xfrm>
-            <a:off x="2905273" y="3543301"/>
-            <a:ext cx="0" cy="457200"/>
-          </a:xfrm>
-          <a:prstGeom prst="line">
-            <a:avLst/>
-          </a:prstGeom>
-          <a:ln w="85725">
-            <a:solidFill>
-              <a:schemeClr val="tx1"/>
-            </a:solidFill>
-          </a:ln>
-        </p:spPr>
-        <p:style>
-          <a:lnRef idx="1">
-            <a:schemeClr val="accent1"/>
-          </a:lnRef>
-          <a:fillRef idx="0">
-            <a:schemeClr val="accent1"/>
-          </a:fillRef>
-          <a:effectRef idx="0">
-            <a:schemeClr val="accent1"/>
-          </a:effectRef>
-          <a:fontRef idx="minor">
-            <a:schemeClr val="tx1"/>
-          </a:fontRef>
-        </p:style>
-      </p:cxnSp>
-      <p:cxnSp>
-        <p:nvCxnSpPr>
-          <p:cNvPr id="57" name="Straight Connector 56">
-            <a:extLst>
-              <a:ext uri="{FF2B5EF4-FFF2-40B4-BE49-F238E27FC236}">
-                <a16:creationId xmlns:a16="http://schemas.microsoft.com/office/drawing/2014/main" id="{A9363530-619E-6588-0DF4-F62C73363673}"/>
-              </a:ext>
-            </a:extLst>
-          </p:cNvPr>
-          <p:cNvCxnSpPr>
-            <a:cxnSpLocks/>
-          </p:cNvCxnSpPr>
-          <p:nvPr/>
-        </p:nvCxnSpPr>
-        <p:spPr>
-          <a:xfrm>
-            <a:off x="8420028" y="3515871"/>
-            <a:ext cx="0" cy="457200"/>
-          </a:xfrm>
-          <a:prstGeom prst="line">
-            <a:avLst/>
-          </a:prstGeom>
-          <a:ln w="85725">
-            <a:solidFill>
-              <a:schemeClr val="tx1"/>
-            </a:solidFill>
-          </a:ln>
-        </p:spPr>
-        <p:style>
-          <a:lnRef idx="1">
-            <a:schemeClr val="accent1"/>
-          </a:lnRef>
-          <a:fillRef idx="0">
-            <a:schemeClr val="accent1"/>
-          </a:fillRef>
-          <a:effectRef idx="0">
-            <a:schemeClr val="accent1"/>
-          </a:effectRef>
-          <a:fontRef idx="minor">
-            <a:schemeClr val="tx1"/>
-          </a:fontRef>
-        </p:style>
-      </p:cxnSp>
-      <p:sp>
-        <p:nvSpPr>
-          <p:cNvPr id="58" name="TextBox 57">
-            <a:extLst>
-              <a:ext uri="{FF2B5EF4-FFF2-40B4-BE49-F238E27FC236}">
-                <a16:creationId xmlns:a16="http://schemas.microsoft.com/office/drawing/2014/main" id="{851D79AA-240F-978F-041F-2B9C6C7FB15F}"/>
-              </a:ext>
-            </a:extLst>
-          </p:cNvPr>
-          <p:cNvSpPr txBox="1"/>
-          <p:nvPr/>
-        </p:nvSpPr>
-        <p:spPr>
-          <a:xfrm>
-            <a:off x="1419225" y="1095375"/>
-            <a:ext cx="447891" cy="369332"/>
-          </a:xfrm>
-          <a:prstGeom prst="rect">
-            <a:avLst/>
-          </a:prstGeom>
-          <a:noFill/>
-        </p:spPr>
-        <p:txBody>
-          <a:bodyPr wrap="square" rtlCol="0">
-            <a:spAutoFit/>
-          </a:bodyPr>
-          <a:lstStyle/>
-          <a:p>
-            <a:r>
-              <a:rPr lang="en-US" dirty="0"/>
-              <a:t>A1</a:t>
-            </a:r>
-          </a:p>
-        </p:txBody>
-      </p:sp>
-      <p:sp>
-        <p:nvSpPr>
-          <p:cNvPr id="59" name="TextBox 58">
-            <a:extLst>
-              <a:ext uri="{FF2B5EF4-FFF2-40B4-BE49-F238E27FC236}">
-                <a16:creationId xmlns:a16="http://schemas.microsoft.com/office/drawing/2014/main" id="{D1F0BEBA-187D-F099-A2E5-48C1CB654120}"/>
-              </a:ext>
-            </a:extLst>
-          </p:cNvPr>
-          <p:cNvSpPr txBox="1"/>
-          <p:nvPr/>
-        </p:nvSpPr>
-        <p:spPr>
-          <a:xfrm>
-            <a:off x="8753551" y="2918193"/>
-            <a:ext cx="447891" cy="369332"/>
-          </a:xfrm>
-          <a:prstGeom prst="rect">
-            <a:avLst/>
-          </a:prstGeom>
-          <a:noFill/>
-        </p:spPr>
-        <p:txBody>
-          <a:bodyPr wrap="square" rtlCol="0">
-            <a:spAutoFit/>
-          </a:bodyPr>
-          <a:lstStyle/>
-          <a:p>
-            <a:r>
-              <a:rPr lang="en-US" dirty="0"/>
-              <a:t>A2</a:t>
-            </a:r>
-          </a:p>
-        </p:txBody>
-      </p:sp>
-      <p:sp>
-        <p:nvSpPr>
-          <p:cNvPr id="60" name="TextBox 59">
-            <a:extLst>
-              <a:ext uri="{FF2B5EF4-FFF2-40B4-BE49-F238E27FC236}">
-                <a16:creationId xmlns:a16="http://schemas.microsoft.com/office/drawing/2014/main" id="{428779F9-CF0B-47D6-1BBE-35FF7AA0C741}"/>
-              </a:ext>
-            </a:extLst>
-          </p:cNvPr>
-          <p:cNvSpPr txBox="1"/>
-          <p:nvPr/>
-        </p:nvSpPr>
-        <p:spPr>
-          <a:xfrm>
-            <a:off x="1419225" y="2819900"/>
-            <a:ext cx="447891" cy="369332"/>
-          </a:xfrm>
-          <a:prstGeom prst="rect">
-            <a:avLst/>
-          </a:prstGeom>
-          <a:noFill/>
-        </p:spPr>
-        <p:txBody>
-          <a:bodyPr wrap="square" rtlCol="0">
-            <a:spAutoFit/>
-          </a:bodyPr>
-          <a:lstStyle/>
-          <a:p>
-            <a:r>
-              <a:rPr lang="en-US" dirty="0"/>
-              <a:t>B2</a:t>
-            </a:r>
-          </a:p>
-        </p:txBody>
-      </p:sp>
-      <p:sp>
-        <p:nvSpPr>
-          <p:cNvPr id="61" name="TextBox 60">
-            <a:extLst>
-              <a:ext uri="{FF2B5EF4-FFF2-40B4-BE49-F238E27FC236}">
-                <a16:creationId xmlns:a16="http://schemas.microsoft.com/office/drawing/2014/main" id="{FD815367-E475-8BC0-8137-0C071EA19E2D}"/>
-              </a:ext>
-            </a:extLst>
-          </p:cNvPr>
-          <p:cNvSpPr txBox="1"/>
-          <p:nvPr/>
-        </p:nvSpPr>
-        <p:spPr>
-          <a:xfrm>
-            <a:off x="8753551" y="1083082"/>
-            <a:ext cx="447891" cy="369332"/>
-          </a:xfrm>
-          <a:prstGeom prst="rect">
-            <a:avLst/>
-          </a:prstGeom>
-          <a:noFill/>
-        </p:spPr>
-        <p:txBody>
-          <a:bodyPr wrap="square" rtlCol="0">
-            <a:spAutoFit/>
-          </a:bodyPr>
-          <a:lstStyle/>
-          <a:p>
-            <a:r>
-              <a:rPr lang="en-US" dirty="0"/>
-              <a:t>B1</a:t>
-            </a:r>
-          </a:p>
-        </p:txBody>
-      </p:sp>
-      <p:sp>
-        <p:nvSpPr>
-          <p:cNvPr id="62" name="TextBox 61">
-            <a:extLst>
-              <a:ext uri="{FF2B5EF4-FFF2-40B4-BE49-F238E27FC236}">
-                <a16:creationId xmlns:a16="http://schemas.microsoft.com/office/drawing/2014/main" id="{A901C556-6EEF-1C8E-F0EA-73A3CD4F9234}"/>
-              </a:ext>
-            </a:extLst>
-          </p:cNvPr>
-          <p:cNvSpPr txBox="1"/>
-          <p:nvPr/>
-        </p:nvSpPr>
-        <p:spPr>
-          <a:xfrm>
-            <a:off x="1367026" y="171301"/>
-            <a:ext cx="1538246" cy="369332"/>
-          </a:xfrm>
-          <a:prstGeom prst="rect">
-            <a:avLst/>
-          </a:prstGeom>
-          <a:noFill/>
-        </p:spPr>
-        <p:txBody>
-          <a:bodyPr wrap="square" rtlCol="0">
-            <a:spAutoFit/>
-          </a:bodyPr>
-          <a:lstStyle/>
-          <a:p>
-            <a:r>
-              <a:rPr lang="en-US" dirty="0"/>
-              <a:t>Positive</a:t>
-            </a:r>
-          </a:p>
-        </p:txBody>
-      </p:sp>
-      <p:sp>
-        <p:nvSpPr>
-          <p:cNvPr id="63" name="TextBox 62">
-            <a:extLst>
-              <a:ext uri="{FF2B5EF4-FFF2-40B4-BE49-F238E27FC236}">
-                <a16:creationId xmlns:a16="http://schemas.microsoft.com/office/drawing/2014/main" id="{AFF7465E-A1A3-E7DC-2B70-98C765DD0C94}"/>
-              </a:ext>
-            </a:extLst>
-          </p:cNvPr>
-          <p:cNvSpPr txBox="1"/>
-          <p:nvPr/>
-        </p:nvSpPr>
-        <p:spPr>
-          <a:xfrm>
-            <a:off x="1315043" y="4061586"/>
-            <a:ext cx="1538246" cy="369332"/>
-          </a:xfrm>
-          <a:prstGeom prst="rect">
-            <a:avLst/>
-          </a:prstGeom>
-          <a:noFill/>
-        </p:spPr>
-        <p:txBody>
-          <a:bodyPr wrap="square" rtlCol="0">
-            <a:spAutoFit/>
-          </a:bodyPr>
-          <a:lstStyle/>
-          <a:p>
-            <a:r>
-              <a:rPr lang="en-US" dirty="0"/>
-              <a:t>Negative</a:t>
-            </a:r>
-          </a:p>
-        </p:txBody>
-      </p:sp>
     </p:spTree>
     <p:extLst>
       <p:ext uri="{BB962C8B-B14F-4D97-AF65-F5344CB8AC3E}">
